--- a/slides/On-Campus/14_01_More Recursion.pptx
+++ b/slides/On-Campus/14_01_More Recursion.pptx
@@ -5,17 +5,20 @@
     <p:sldMasterId id="2147483648" r:id="rId1"/>
   </p:sldMasterIdLst>
   <p:notesMasterIdLst>
-    <p:notesMasterId r:id="rId7"/>
+    <p:notesMasterId r:id="rId10"/>
   </p:notesMasterIdLst>
   <p:handoutMasterIdLst>
-    <p:handoutMasterId r:id="rId8"/>
+    <p:handoutMasterId r:id="rId11"/>
   </p:handoutMasterIdLst>
   <p:sldIdLst>
     <p:sldId id="256" r:id="rId2"/>
-    <p:sldId id="257" r:id="rId3"/>
-    <p:sldId id="258" r:id="rId4"/>
-    <p:sldId id="259" r:id="rId5"/>
-    <p:sldId id="260" r:id="rId6"/>
+    <p:sldId id="261" r:id="rId3"/>
+    <p:sldId id="257" r:id="rId4"/>
+    <p:sldId id="258" r:id="rId5"/>
+    <p:sldId id="259" r:id="rId6"/>
+    <p:sldId id="260" r:id="rId7"/>
+    <p:sldId id="262" r:id="rId8"/>
+    <p:sldId id="263" r:id="rId9"/>
   </p:sldIdLst>
   <p:sldSz cx="13817600" cy="7772400"/>
   <p:notesSz cx="6858000" cy="9144000"/>
@@ -136,6 +139,177 @@
 </p:presentation>
 </file>
 
+<file path=ppt/changesInfos/changesInfo1.xml><?xml version="1.0" encoding="utf-8"?>
+<pc:chgInfo xmlns:a="http://schemas.openxmlformats.org/drawingml/2006/main" xmlns:r="http://schemas.openxmlformats.org/officeDocument/2006/relationships" xmlns:ac="http://schemas.microsoft.com/office/drawing/2013/main/command" xmlns:pc="http://schemas.microsoft.com/office/powerpoint/2013/main/command">
+  <pc:docChgLst>
+    <pc:chgData name="Marcia Moraes" userId="c9c67e8a-58e2-4733-9a1c-5d44fec4775b" providerId="ADAL" clId="{2C638758-0F62-41CA-828A-1521F52A3818}"/>
+    <pc:docChg chg="custSel addSld modSld">
+      <pc:chgData name="Marcia Moraes" userId="c9c67e8a-58e2-4733-9a1c-5d44fec4775b" providerId="ADAL" clId="{2C638758-0F62-41CA-828A-1521F52A3818}" dt="2021-11-26T17:06:49.987" v="572"/>
+      <pc:docMkLst>
+        <pc:docMk/>
+      </pc:docMkLst>
+      <pc:sldChg chg="addSp delSp modSp add delAnim">
+        <pc:chgData name="Marcia Moraes" userId="c9c67e8a-58e2-4733-9a1c-5d44fec4775b" providerId="ADAL" clId="{2C638758-0F62-41CA-828A-1521F52A3818}" dt="2021-11-26T15:56:45.921" v="230" actId="6549"/>
+        <pc:sldMkLst>
+          <pc:docMk/>
+          <pc:sldMk cId="1725307835" sldId="261"/>
+        </pc:sldMkLst>
+        <pc:spChg chg="add mod">
+          <ac:chgData name="Marcia Moraes" userId="c9c67e8a-58e2-4733-9a1c-5d44fec4775b" providerId="ADAL" clId="{2C638758-0F62-41CA-828A-1521F52A3818}" dt="2021-11-26T15:55:17.455" v="130" actId="20577"/>
+          <ac:spMkLst>
+            <pc:docMk/>
+            <pc:sldMk cId="1725307835" sldId="261"/>
+            <ac:spMk id="3" creationId="{89F0EB75-55D2-45ED-BA4E-61F99B682ED1}"/>
+          </ac:spMkLst>
+        </pc:spChg>
+        <pc:spChg chg="mod">
+          <ac:chgData name="Marcia Moraes" userId="c9c67e8a-58e2-4733-9a1c-5d44fec4775b" providerId="ADAL" clId="{2C638758-0F62-41CA-828A-1521F52A3818}" dt="2021-11-26T15:52:12.298" v="70" actId="1035"/>
+          <ac:spMkLst>
+            <pc:docMk/>
+            <pc:sldMk cId="1725307835" sldId="261"/>
+            <ac:spMk id="4" creationId="{12BA5B84-1638-5244-9FFD-57A46E238EFA}"/>
+          </ac:spMkLst>
+        </pc:spChg>
+        <pc:spChg chg="del mod">
+          <ac:chgData name="Marcia Moraes" userId="c9c67e8a-58e2-4733-9a1c-5d44fec4775b" providerId="ADAL" clId="{2C638758-0F62-41CA-828A-1521F52A3818}" dt="2021-11-26T15:49:00.371" v="26" actId="478"/>
+          <ac:spMkLst>
+            <pc:docMk/>
+            <pc:sldMk cId="1725307835" sldId="261"/>
+            <ac:spMk id="5" creationId="{25CE1024-4CBB-2D4C-BB07-C7CBCA585085}"/>
+          </ac:spMkLst>
+        </pc:spChg>
+        <pc:spChg chg="del">
+          <ac:chgData name="Marcia Moraes" userId="c9c67e8a-58e2-4733-9a1c-5d44fec4775b" providerId="ADAL" clId="{2C638758-0F62-41CA-828A-1521F52A3818}" dt="2021-11-26T15:48:43.176" v="22" actId="478"/>
+          <ac:spMkLst>
+            <pc:docMk/>
+            <pc:sldMk cId="1725307835" sldId="261"/>
+            <ac:spMk id="6" creationId="{83857911-EBF8-8D49-A302-3C322C42EC87}"/>
+          </ac:spMkLst>
+        </pc:spChg>
+        <pc:spChg chg="del">
+          <ac:chgData name="Marcia Moraes" userId="c9c67e8a-58e2-4733-9a1c-5d44fec4775b" providerId="ADAL" clId="{2C638758-0F62-41CA-828A-1521F52A3818}" dt="2021-11-26T15:48:42.209" v="21" actId="478"/>
+          <ac:spMkLst>
+            <pc:docMk/>
+            <pc:sldMk cId="1725307835" sldId="261"/>
+            <ac:spMk id="7" creationId="{0B7C0969-181C-4245-AB60-A2ED8C2877BD}"/>
+          </ac:spMkLst>
+        </pc:spChg>
+        <pc:spChg chg="add mod">
+          <ac:chgData name="Marcia Moraes" userId="c9c67e8a-58e2-4733-9a1c-5d44fec4775b" providerId="ADAL" clId="{2C638758-0F62-41CA-828A-1521F52A3818}" dt="2021-11-26T15:56:45.921" v="230" actId="6549"/>
+          <ac:spMkLst>
+            <pc:docMk/>
+            <pc:sldMk cId="1725307835" sldId="261"/>
+            <ac:spMk id="10" creationId="{DA14AA29-3EC8-40EB-A512-0EB3D58CD042}"/>
+          </ac:spMkLst>
+        </pc:spChg>
+        <pc:spChg chg="add mod">
+          <ac:chgData name="Marcia Moraes" userId="c9c67e8a-58e2-4733-9a1c-5d44fec4775b" providerId="ADAL" clId="{2C638758-0F62-41CA-828A-1521F52A3818}" dt="2021-11-26T15:56:36.629" v="229" actId="6549"/>
+          <ac:spMkLst>
+            <pc:docMk/>
+            <pc:sldMk cId="1725307835" sldId="261"/>
+            <ac:spMk id="11" creationId="{B7E14764-E0CB-433C-B920-197C858DF99E}"/>
+          </ac:spMkLst>
+        </pc:spChg>
+        <pc:spChg chg="del">
+          <ac:chgData name="Marcia Moraes" userId="c9c67e8a-58e2-4733-9a1c-5d44fec4775b" providerId="ADAL" clId="{2C638758-0F62-41CA-828A-1521F52A3818}" dt="2021-11-26T15:48:44.656" v="23" actId="478"/>
+          <ac:spMkLst>
+            <pc:docMk/>
+            <pc:sldMk cId="1725307835" sldId="261"/>
+            <ac:spMk id="19" creationId="{E4E1692D-EC0E-9E4B-810D-8118AC1FA973}"/>
+          </ac:spMkLst>
+        </pc:spChg>
+        <pc:spChg chg="del">
+          <ac:chgData name="Marcia Moraes" userId="c9c67e8a-58e2-4733-9a1c-5d44fec4775b" providerId="ADAL" clId="{2C638758-0F62-41CA-828A-1521F52A3818}" dt="2021-11-26T15:48:46.996" v="24" actId="478"/>
+          <ac:spMkLst>
+            <pc:docMk/>
+            <pc:sldMk cId="1725307835" sldId="261"/>
+            <ac:spMk id="20" creationId="{E699D041-7ECD-9048-B003-72A51D131825}"/>
+          </ac:spMkLst>
+        </pc:spChg>
+        <pc:picChg chg="add del">
+          <ac:chgData name="Marcia Moraes" userId="c9c67e8a-58e2-4733-9a1c-5d44fec4775b" providerId="ADAL" clId="{2C638758-0F62-41CA-828A-1521F52A3818}" dt="2021-11-26T15:49:57.343" v="28" actId="478"/>
+          <ac:picMkLst>
+            <pc:docMk/>
+            <pc:sldMk cId="1725307835" sldId="261"/>
+            <ac:picMk id="8" creationId="{7475E2F8-2F0F-415E-AF84-7C620A007E7A}"/>
+          </ac:picMkLst>
+        </pc:picChg>
+        <pc:picChg chg="add del mod">
+          <ac:chgData name="Marcia Moraes" userId="c9c67e8a-58e2-4733-9a1c-5d44fec4775b" providerId="ADAL" clId="{2C638758-0F62-41CA-828A-1521F52A3818}" dt="2021-11-26T15:50:05.909" v="31" actId="478"/>
+          <ac:picMkLst>
+            <pc:docMk/>
+            <pc:sldMk cId="1725307835" sldId="261"/>
+            <ac:picMk id="9" creationId="{7F75EFD3-8E7A-46BB-9BE5-FE7433DBF0DF}"/>
+          </ac:picMkLst>
+        </pc:picChg>
+      </pc:sldChg>
+      <pc:sldChg chg="addSp modSp add modAnim">
+        <pc:chgData name="Marcia Moraes" userId="c9c67e8a-58e2-4733-9a1c-5d44fec4775b" providerId="ADAL" clId="{2C638758-0F62-41CA-828A-1521F52A3818}" dt="2021-11-26T17:06:34.328" v="569" actId="6549"/>
+        <pc:sldMkLst>
+          <pc:docMk/>
+          <pc:sldMk cId="2303186239" sldId="262"/>
+        </pc:sldMkLst>
+        <pc:spChg chg="mod">
+          <ac:chgData name="Marcia Moraes" userId="c9c67e8a-58e2-4733-9a1c-5d44fec4775b" providerId="ADAL" clId="{2C638758-0F62-41CA-828A-1521F52A3818}" dt="2021-11-26T16:54:25.403" v="409" actId="20577"/>
+          <ac:spMkLst>
+            <pc:docMk/>
+            <pc:sldMk cId="2303186239" sldId="262"/>
+            <ac:spMk id="2" creationId="{3BD1F6C7-A6A1-EA40-95A5-49F0F4685C81}"/>
+          </ac:spMkLst>
+        </pc:spChg>
+        <pc:spChg chg="mod">
+          <ac:chgData name="Marcia Moraes" userId="c9c67e8a-58e2-4733-9a1c-5d44fec4775b" providerId="ADAL" clId="{2C638758-0F62-41CA-828A-1521F52A3818}" dt="2021-11-26T17:06:34.328" v="569" actId="6549"/>
+          <ac:spMkLst>
+            <pc:docMk/>
+            <pc:sldMk cId="2303186239" sldId="262"/>
+            <ac:spMk id="3" creationId="{20275C6A-A900-BF4E-B253-6445E559FBAD}"/>
+          </ac:spMkLst>
+        </pc:spChg>
+        <pc:spChg chg="add mod">
+          <ac:chgData name="Marcia Moraes" userId="c9c67e8a-58e2-4733-9a1c-5d44fec4775b" providerId="ADAL" clId="{2C638758-0F62-41CA-828A-1521F52A3818}" dt="2021-11-26T16:44:56.410" v="373" actId="1076"/>
+          <ac:spMkLst>
+            <pc:docMk/>
+            <pc:sldMk cId="2303186239" sldId="262"/>
+            <ac:spMk id="4" creationId="{4B4AC83F-F28B-4761-9C16-4DE64DA92826}"/>
+          </ac:spMkLst>
+        </pc:spChg>
+      </pc:sldChg>
+      <pc:sldChg chg="delSp modSp add delAnim">
+        <pc:chgData name="Marcia Moraes" userId="c9c67e8a-58e2-4733-9a1c-5d44fec4775b" providerId="ADAL" clId="{2C638758-0F62-41CA-828A-1521F52A3818}" dt="2021-11-26T17:06:49.987" v="572"/>
+        <pc:sldMkLst>
+          <pc:docMk/>
+          <pc:sldMk cId="1333019686" sldId="263"/>
+        </pc:sldMkLst>
+        <pc:spChg chg="mod">
+          <ac:chgData name="Marcia Moraes" userId="c9c67e8a-58e2-4733-9a1c-5d44fec4775b" providerId="ADAL" clId="{2C638758-0F62-41CA-828A-1521F52A3818}" dt="2021-11-26T16:54:32.245" v="412" actId="20577"/>
+          <ac:spMkLst>
+            <pc:docMk/>
+            <pc:sldMk cId="1333019686" sldId="263"/>
+            <ac:spMk id="2" creationId="{3BD1F6C7-A6A1-EA40-95A5-49F0F4685C81}"/>
+          </ac:spMkLst>
+        </pc:spChg>
+        <pc:spChg chg="mod">
+          <ac:chgData name="Marcia Moraes" userId="c9c67e8a-58e2-4733-9a1c-5d44fec4775b" providerId="ADAL" clId="{2C638758-0F62-41CA-828A-1521F52A3818}" dt="2021-11-26T17:06:49.987" v="572"/>
+          <ac:spMkLst>
+            <pc:docMk/>
+            <pc:sldMk cId="1333019686" sldId="263"/>
+            <ac:spMk id="3" creationId="{20275C6A-A900-BF4E-B253-6445E559FBAD}"/>
+          </ac:spMkLst>
+        </pc:spChg>
+        <pc:spChg chg="del">
+          <ac:chgData name="Marcia Moraes" userId="c9c67e8a-58e2-4733-9a1c-5d44fec4775b" providerId="ADAL" clId="{2C638758-0F62-41CA-828A-1521F52A3818}" dt="2021-11-26T16:59:16.575" v="501" actId="478"/>
+          <ac:spMkLst>
+            <pc:docMk/>
+            <pc:sldMk cId="1333019686" sldId="263"/>
+            <ac:spMk id="4" creationId="{4B4AC83F-F28B-4761-9C16-4DE64DA92826}"/>
+          </ac:spMkLst>
+        </pc:spChg>
+      </pc:sldChg>
+    </pc:docChg>
+  </pc:docChgLst>
+</pc:chgInfo>
+</file>
+
 <file path=ppt/handoutMasters/handoutMaster1.xml><?xml version="1.0" encoding="utf-8"?>
 <p:handoutMaster xmlns:a="http://schemas.openxmlformats.org/drawingml/2006/main" xmlns:r="http://schemas.openxmlformats.org/officeDocument/2006/relationships" xmlns:p="http://schemas.openxmlformats.org/presentationml/2006/main">
   <p:cSld>
@@ -218,7 +392,7 @@
           <a:p>
             <a:fld id="{4D7E51A5-B478-1E40-8CBB-0DAA8831E99D}" type="datetimeFigureOut">
               <a:rPr lang="en-US" smtClean="0"/>
-              <a:t>4/23/20</a:t>
+              <a:t>11/26/2021</a:t>
             </a:fld>
             <a:endParaRPr lang="en-US"/>
           </a:p>
@@ -383,7 +557,7 @@
           <a:p>
             <a:fld id="{D0ED587F-861E-6740-9643-E3DDAE89B8D6}" type="datetimeFigureOut">
               <a:rPr lang="en-US" smtClean="0"/>
-              <a:t>4/23/20</a:t>
+              <a:t>11/26/2021</a:t>
             </a:fld>
             <a:endParaRPr lang="en-US"/>
           </a:p>
@@ -6740,6 +6914,2619 @@
             <p:ph type="title"/>
           </p:nvPr>
         </p:nvSpPr>
+        <p:spPr>
+          <a:xfrm>
+            <a:off x="255932" y="-62309"/>
+            <a:ext cx="12561453" cy="1015663"/>
+          </a:xfrm>
+        </p:spPr>
+        <p:txBody>
+          <a:bodyPr/>
+          <a:lstStyle/>
+          <a:p>
+            <a:r>
+              <a:rPr lang="en-US" dirty="0"/>
+              <a:t>Recursion Reading Review…</a:t>
+            </a:r>
+          </a:p>
+        </p:txBody>
+      </p:sp>
+      <p:sp>
+        <p:nvSpPr>
+          <p:cNvPr id="3" name="Text Placeholder 2">
+            <a:extLst>
+              <a:ext uri="{FF2B5EF4-FFF2-40B4-BE49-F238E27FC236}">
+                <a16:creationId xmlns:a16="http://schemas.microsoft.com/office/drawing/2014/main" id="{89F0EB75-55D2-45ED-BA4E-61F99B682ED1}"/>
+              </a:ext>
+            </a:extLst>
+          </p:cNvPr>
+          <p:cNvSpPr>
+            <a:spLocks noGrp="1"/>
+          </p:cNvSpPr>
+          <p:nvPr>
+            <p:ph type="body" sz="quarter" idx="10"/>
+          </p:nvPr>
+        </p:nvSpPr>
+        <p:spPr>
+          <a:xfrm>
+            <a:off x="7078170" y="3488525"/>
+            <a:ext cx="6196418" cy="1304011"/>
+          </a:xfrm>
+        </p:spPr>
+        <p:txBody>
+          <a:bodyPr/>
+          <a:lstStyle/>
+          <a:p>
+            <a:r>
+              <a:rPr lang="en-US" dirty="0"/>
+              <a:t>What does this program do?</a:t>
+            </a:r>
+          </a:p>
+          <a:p>
+            <a:r>
+              <a:rPr lang="en-US" dirty="0"/>
+              <a:t>Write down each recursive call and its parameter and return value for number = 3</a:t>
+            </a:r>
+          </a:p>
+        </p:txBody>
+      </p:sp>
+      <p:sp>
+        <p:nvSpPr>
+          <p:cNvPr id="10" name="Rectangle 1">
+            <a:extLst>
+              <a:ext uri="{FF2B5EF4-FFF2-40B4-BE49-F238E27FC236}">
+                <a16:creationId xmlns:a16="http://schemas.microsoft.com/office/drawing/2014/main" id="{DA14AA29-3EC8-40EB-A512-0EB3D58CD042}"/>
+              </a:ext>
+            </a:extLst>
+          </p:cNvPr>
+          <p:cNvSpPr>
+            <a:spLocks noChangeArrowheads="1"/>
+          </p:cNvSpPr>
+          <p:nvPr/>
+        </p:nvSpPr>
+        <p:spPr bwMode="auto">
+          <a:xfrm>
+            <a:off x="340242" y="863557"/>
+            <a:ext cx="6568558" cy="6463308"/>
+          </a:xfrm>
+          <a:prstGeom prst="rect">
+            <a:avLst/>
+          </a:prstGeom>
+          <a:solidFill>
+            <a:srgbClr val="2B2B2B"/>
+          </a:solidFill>
+          <a:ln>
+            <a:noFill/>
+          </a:ln>
+          <a:effectLst/>
+          <a:extLst>
+            <a:ext uri="{91240B29-F687-4F45-9708-019B960494DF}">
+              <a14:hiddenLine xmlns:a14="http://schemas.microsoft.com/office/drawing/2010/main" w="9525">
+                <a:solidFill>
+                  <a:schemeClr val="tx1"/>
+                </a:solidFill>
+                <a:miter lim="800000"/>
+                <a:headEnd/>
+                <a:tailEnd/>
+              </a14:hiddenLine>
+            </a:ext>
+            <a:ext uri="{AF507438-7753-43E0-B8FC-AC1667EBCBE1}">
+              <a14:hiddenEffects xmlns:a14="http://schemas.microsoft.com/office/drawing/2010/main">
+                <a:effectLst>
+                  <a:outerShdw dist="35921" dir="2700000" algn="ctr" rotWithShape="0">
+                    <a:schemeClr val="bg2"/>
+                  </a:outerShdw>
+                </a:effectLst>
+              </a14:hiddenEffects>
+            </a:ext>
+          </a:extLst>
+        </p:spPr>
+        <p:txBody>
+          <a:bodyPr vert="horz" wrap="square" lIns="91440" tIns="45720" rIns="91440" bIns="45720" numCol="1" anchor="ctr" anchorCtr="0" compatLnSpc="1">
+            <a:prstTxWarp prst="textNoShape">
+              <a:avLst/>
+            </a:prstTxWarp>
+            <a:spAutoFit/>
+          </a:bodyPr>
+          <a:lstStyle/>
+          <a:p>
+            <a:pPr marL="0" marR="0" lvl="0" indent="0" algn="l" defTabSz="914400" rtl="0" eaLnBrk="0" fontAlgn="base" latinLnBrk="0" hangingPunct="0">
+              <a:lnSpc>
+                <a:spcPct val="100000"/>
+              </a:lnSpc>
+              <a:spcBef>
+                <a:spcPct val="0"/>
+              </a:spcBef>
+              <a:spcAft>
+                <a:spcPct val="0"/>
+              </a:spcAft>
+              <a:buClrTx/>
+              <a:buSzTx/>
+              <a:buFontTx/>
+              <a:buNone/>
+              <a:tabLst/>
+            </a:pPr>
+            <a:r>
+              <a:rPr kumimoji="0" lang="en-US" altLang="en-US" sz="1800" b="0" i="0" u="none" strike="noStrike" cap="none" normalizeH="0" baseline="0" dirty="0">
+                <a:ln>
+                  <a:noFill/>
+                </a:ln>
+                <a:solidFill>
+                  <a:srgbClr val="CC7832"/>
+                </a:solidFill>
+                <a:effectLst/>
+                <a:latin typeface="JetBrains Mono"/>
+              </a:rPr>
+              <a:t>import </a:t>
+            </a:r>
+            <a:r>
+              <a:rPr kumimoji="0" lang="en-US" altLang="en-US" sz="1800" b="0" i="0" u="none" strike="noStrike" cap="none" normalizeH="0" baseline="0" dirty="0" err="1">
+                <a:ln>
+                  <a:noFill/>
+                </a:ln>
+                <a:solidFill>
+                  <a:srgbClr val="A9B7C6"/>
+                </a:solidFill>
+                <a:effectLst/>
+                <a:latin typeface="JetBrains Mono"/>
+              </a:rPr>
+              <a:t>java.util.Scanner</a:t>
+            </a:r>
+            <a:r>
+              <a:rPr kumimoji="0" lang="en-US" altLang="en-US" sz="1800" b="0" i="0" u="none" strike="noStrike" cap="none" normalizeH="0" baseline="0" dirty="0">
+                <a:ln>
+                  <a:noFill/>
+                </a:ln>
+                <a:solidFill>
+                  <a:srgbClr val="CC7832"/>
+                </a:solidFill>
+                <a:effectLst/>
+                <a:latin typeface="JetBrains Mono"/>
+              </a:rPr>
+              <a:t>;</a:t>
+            </a:r>
+            <a:br>
+              <a:rPr kumimoji="0" lang="en-US" altLang="en-US" sz="1800" b="0" i="0" u="none" strike="noStrike" cap="none" normalizeH="0" baseline="0" dirty="0">
+                <a:ln>
+                  <a:noFill/>
+                </a:ln>
+                <a:solidFill>
+                  <a:srgbClr val="CC7832"/>
+                </a:solidFill>
+                <a:effectLst/>
+                <a:latin typeface="JetBrains Mono"/>
+              </a:rPr>
+            </a:br>
+            <a:r>
+              <a:rPr kumimoji="0" lang="en-US" altLang="en-US" sz="1800" b="0" i="0" u="none" strike="noStrike" cap="none" normalizeH="0" baseline="0" dirty="0">
+                <a:ln>
+                  <a:noFill/>
+                </a:ln>
+                <a:solidFill>
+                  <a:srgbClr val="CC7832"/>
+                </a:solidFill>
+                <a:effectLst/>
+                <a:latin typeface="JetBrains Mono"/>
+              </a:rPr>
+              <a:t>public class </a:t>
+            </a:r>
+            <a:r>
+              <a:rPr lang="en-US" altLang="en-US" sz="1800" dirty="0">
+                <a:solidFill>
+                  <a:srgbClr val="A9B7C6"/>
+                </a:solidFill>
+                <a:latin typeface="JetBrains Mono"/>
+              </a:rPr>
+              <a:t>Recursion</a:t>
+            </a:r>
+            <a:r>
+              <a:rPr kumimoji="0" lang="en-US" altLang="en-US" sz="1800" b="0" i="0" u="none" strike="noStrike" cap="none" normalizeH="0" baseline="0" dirty="0">
+                <a:ln>
+                  <a:noFill/>
+                </a:ln>
+                <a:solidFill>
+                  <a:srgbClr val="A9B7C6"/>
+                </a:solidFill>
+                <a:effectLst/>
+                <a:latin typeface="JetBrains Mono"/>
+              </a:rPr>
+              <a:t> {</a:t>
+            </a:r>
+            <a:br>
+              <a:rPr kumimoji="0" lang="en-US" altLang="en-US" sz="1800" b="0" i="0" u="none" strike="noStrike" cap="none" normalizeH="0" baseline="0" dirty="0">
+                <a:ln>
+                  <a:noFill/>
+                </a:ln>
+                <a:solidFill>
+                  <a:srgbClr val="A9B7C6"/>
+                </a:solidFill>
+                <a:effectLst/>
+                <a:latin typeface="JetBrains Mono"/>
+              </a:rPr>
+            </a:br>
+            <a:r>
+              <a:rPr kumimoji="0" lang="en-US" altLang="en-US" sz="1800" b="0" i="0" u="none" strike="noStrike" cap="none" normalizeH="0" baseline="0" dirty="0">
+                <a:ln>
+                  <a:noFill/>
+                </a:ln>
+                <a:solidFill>
+                  <a:srgbClr val="A9B7C6"/>
+                </a:solidFill>
+                <a:effectLst/>
+                <a:latin typeface="JetBrains Mono"/>
+              </a:rPr>
+              <a:t>    </a:t>
+            </a:r>
+            <a:r>
+              <a:rPr kumimoji="0" lang="en-US" altLang="en-US" sz="1800" b="0" i="0" u="none" strike="noStrike" cap="none" normalizeH="0" baseline="0" dirty="0">
+                <a:ln>
+                  <a:noFill/>
+                </a:ln>
+                <a:solidFill>
+                  <a:srgbClr val="CC7832"/>
+                </a:solidFill>
+                <a:effectLst/>
+                <a:latin typeface="JetBrains Mono"/>
+              </a:rPr>
+              <a:t>public static void </a:t>
+            </a:r>
+            <a:r>
+              <a:rPr kumimoji="0" lang="en-US" altLang="en-US" sz="1800" b="0" i="0" u="none" strike="noStrike" cap="none" normalizeH="0" baseline="0" dirty="0" err="1">
+                <a:ln>
+                  <a:noFill/>
+                </a:ln>
+                <a:solidFill>
+                  <a:srgbClr val="FFC66D"/>
+                </a:solidFill>
+                <a:effectLst/>
+                <a:latin typeface="JetBrains Mono"/>
+              </a:rPr>
+              <a:t>recursiveCall</a:t>
+            </a:r>
+            <a:r>
+              <a:rPr kumimoji="0" lang="en-US" altLang="en-US" sz="1800" b="0" i="0" u="none" strike="noStrike" cap="none" normalizeH="0" baseline="0" dirty="0">
+                <a:ln>
+                  <a:noFill/>
+                </a:ln>
+                <a:solidFill>
+                  <a:srgbClr val="A9B7C6"/>
+                </a:solidFill>
+                <a:effectLst/>
+                <a:latin typeface="JetBrains Mono"/>
+              </a:rPr>
+              <a:t>(</a:t>
+            </a:r>
+            <a:r>
+              <a:rPr kumimoji="0" lang="en-US" altLang="en-US" sz="1800" b="0" i="0" u="none" strike="noStrike" cap="none" normalizeH="0" baseline="0" dirty="0">
+                <a:ln>
+                  <a:noFill/>
+                </a:ln>
+                <a:solidFill>
+                  <a:srgbClr val="CC7832"/>
+                </a:solidFill>
+                <a:effectLst/>
+                <a:latin typeface="JetBrains Mono"/>
+              </a:rPr>
+              <a:t>int </a:t>
+            </a:r>
+            <a:r>
+              <a:rPr kumimoji="0" lang="en-US" altLang="en-US" sz="1800" b="0" i="0" u="none" strike="noStrike" cap="none" normalizeH="0" baseline="0" dirty="0">
+                <a:ln>
+                  <a:noFill/>
+                </a:ln>
+                <a:solidFill>
+                  <a:srgbClr val="A9B7C6"/>
+                </a:solidFill>
+                <a:effectLst/>
+                <a:latin typeface="JetBrains Mono"/>
+              </a:rPr>
+              <a:t>number</a:t>
+            </a:r>
+            <a:r>
+              <a:rPr kumimoji="0" lang="en-US" altLang="en-US" sz="1800" b="0" i="0" u="none" strike="noStrike" cap="none" normalizeH="0" baseline="0" dirty="0">
+                <a:ln>
+                  <a:noFill/>
+                </a:ln>
+                <a:solidFill>
+                  <a:srgbClr val="CC7832"/>
+                </a:solidFill>
+                <a:effectLst/>
+                <a:latin typeface="JetBrains Mono"/>
+              </a:rPr>
+              <a:t>, int </a:t>
+            </a:r>
+            <a:r>
+              <a:rPr kumimoji="0" lang="en-US" altLang="en-US" sz="1800" b="0" i="0" u="none" strike="noStrike" cap="none" normalizeH="0" baseline="0" dirty="0" err="1">
+                <a:ln>
+                  <a:noFill/>
+                </a:ln>
+                <a:solidFill>
+                  <a:srgbClr val="A9B7C6"/>
+                </a:solidFill>
+                <a:effectLst/>
+                <a:latin typeface="JetBrains Mono"/>
+              </a:rPr>
+              <a:t>lowVal</a:t>
+            </a:r>
+            <a:r>
+              <a:rPr kumimoji="0" lang="en-US" altLang="en-US" sz="1800" b="0" i="0" u="none" strike="noStrike" cap="none" normalizeH="0" baseline="0" dirty="0">
+                <a:ln>
+                  <a:noFill/>
+                </a:ln>
+                <a:solidFill>
+                  <a:srgbClr val="CC7832"/>
+                </a:solidFill>
+                <a:effectLst/>
+                <a:latin typeface="JetBrains Mono"/>
+              </a:rPr>
+              <a:t>, int </a:t>
+            </a:r>
+            <a:r>
+              <a:rPr kumimoji="0" lang="en-US" altLang="en-US" sz="1800" b="0" i="0" u="none" strike="noStrike" cap="none" normalizeH="0" baseline="0" dirty="0" err="1">
+                <a:ln>
+                  <a:noFill/>
+                </a:ln>
+                <a:solidFill>
+                  <a:srgbClr val="A9B7C6"/>
+                </a:solidFill>
+                <a:effectLst/>
+                <a:latin typeface="JetBrains Mono"/>
+              </a:rPr>
+              <a:t>highVal</a:t>
+            </a:r>
+            <a:r>
+              <a:rPr kumimoji="0" lang="en-US" altLang="en-US" sz="1800" b="0" i="0" u="none" strike="noStrike" cap="none" normalizeH="0" baseline="0" dirty="0">
+                <a:ln>
+                  <a:noFill/>
+                </a:ln>
+                <a:solidFill>
+                  <a:srgbClr val="A9B7C6"/>
+                </a:solidFill>
+                <a:effectLst/>
+                <a:latin typeface="JetBrains Mono"/>
+              </a:rPr>
+              <a:t>) {</a:t>
+            </a:r>
+            <a:br>
+              <a:rPr kumimoji="0" lang="en-US" altLang="en-US" sz="1800" b="0" i="0" u="none" strike="noStrike" cap="none" normalizeH="0" baseline="0" dirty="0">
+                <a:ln>
+                  <a:noFill/>
+                </a:ln>
+                <a:solidFill>
+                  <a:srgbClr val="A9B7C6"/>
+                </a:solidFill>
+                <a:effectLst/>
+                <a:latin typeface="JetBrains Mono"/>
+              </a:rPr>
+            </a:br>
+            <a:r>
+              <a:rPr kumimoji="0" lang="en-US" altLang="en-US" sz="1800" b="0" i="0" u="none" strike="noStrike" cap="none" normalizeH="0" baseline="0" dirty="0">
+                <a:ln>
+                  <a:noFill/>
+                </a:ln>
+                <a:solidFill>
+                  <a:srgbClr val="A9B7C6"/>
+                </a:solidFill>
+                <a:effectLst/>
+                <a:latin typeface="JetBrains Mono"/>
+              </a:rPr>
+              <a:t>        </a:t>
+            </a:r>
+            <a:r>
+              <a:rPr kumimoji="0" lang="en-US" altLang="en-US" sz="1800" b="0" i="0" u="none" strike="noStrike" cap="none" normalizeH="0" baseline="0" dirty="0">
+                <a:ln>
+                  <a:noFill/>
+                </a:ln>
+                <a:solidFill>
+                  <a:srgbClr val="CC7832"/>
+                </a:solidFill>
+                <a:effectLst/>
+                <a:latin typeface="JetBrains Mono"/>
+              </a:rPr>
+              <a:t>int </a:t>
+            </a:r>
+            <a:r>
+              <a:rPr kumimoji="0" lang="en-US" altLang="en-US" sz="1800" b="0" i="0" u="none" strike="noStrike" cap="none" normalizeH="0" baseline="0" dirty="0" err="1">
+                <a:ln>
+                  <a:noFill/>
+                </a:ln>
+                <a:solidFill>
+                  <a:srgbClr val="A9B7C6"/>
+                </a:solidFill>
+                <a:effectLst/>
+                <a:latin typeface="JetBrains Mono"/>
+              </a:rPr>
+              <a:t>midVal</a:t>
+            </a:r>
+            <a:r>
+              <a:rPr kumimoji="0" lang="en-US" altLang="en-US" sz="1800" b="0" i="0" u="none" strike="noStrike" cap="none" normalizeH="0" baseline="0" dirty="0">
+                <a:ln>
+                  <a:noFill/>
+                </a:ln>
+                <a:solidFill>
+                  <a:srgbClr val="CC7832"/>
+                </a:solidFill>
+                <a:effectLst/>
+                <a:latin typeface="JetBrains Mono"/>
+              </a:rPr>
+              <a:t>;</a:t>
+            </a:r>
+            <a:br>
+              <a:rPr kumimoji="0" lang="en-US" altLang="en-US" sz="1800" b="0" i="0" u="none" strike="noStrike" cap="none" normalizeH="0" baseline="0" dirty="0">
+                <a:ln>
+                  <a:noFill/>
+                </a:ln>
+                <a:solidFill>
+                  <a:srgbClr val="CC7832"/>
+                </a:solidFill>
+                <a:effectLst/>
+                <a:latin typeface="JetBrains Mono"/>
+              </a:rPr>
+            </a:br>
+            <a:r>
+              <a:rPr kumimoji="0" lang="en-US" altLang="en-US" sz="1800" b="0" i="0" u="none" strike="noStrike" cap="none" normalizeH="0" baseline="0" dirty="0">
+                <a:ln>
+                  <a:noFill/>
+                </a:ln>
+                <a:solidFill>
+                  <a:srgbClr val="CC7832"/>
+                </a:solidFill>
+                <a:effectLst/>
+                <a:latin typeface="JetBrains Mono"/>
+              </a:rPr>
+              <a:t>        </a:t>
+            </a:r>
+            <a:r>
+              <a:rPr kumimoji="0" lang="en-US" altLang="en-US" sz="1800" b="0" i="0" u="none" strike="noStrike" cap="none" normalizeH="0" baseline="0" dirty="0" err="1">
+                <a:ln>
+                  <a:noFill/>
+                </a:ln>
+                <a:solidFill>
+                  <a:srgbClr val="A9B7C6"/>
+                </a:solidFill>
+                <a:effectLst/>
+                <a:latin typeface="JetBrains Mono"/>
+              </a:rPr>
+              <a:t>midVal</a:t>
+            </a:r>
+            <a:r>
+              <a:rPr kumimoji="0" lang="en-US" altLang="en-US" sz="1800" b="0" i="0" u="none" strike="noStrike" cap="none" normalizeH="0" baseline="0" dirty="0">
+                <a:ln>
+                  <a:noFill/>
+                </a:ln>
+                <a:solidFill>
+                  <a:srgbClr val="A9B7C6"/>
+                </a:solidFill>
+                <a:effectLst/>
+                <a:latin typeface="JetBrains Mono"/>
+              </a:rPr>
+              <a:t> = (</a:t>
+            </a:r>
+            <a:r>
+              <a:rPr kumimoji="0" lang="en-US" altLang="en-US" sz="1800" b="0" i="0" u="none" strike="noStrike" cap="none" normalizeH="0" baseline="0" dirty="0" err="1">
+                <a:ln>
+                  <a:noFill/>
+                </a:ln>
+                <a:solidFill>
+                  <a:srgbClr val="A9B7C6"/>
+                </a:solidFill>
+                <a:effectLst/>
+                <a:latin typeface="JetBrains Mono"/>
+              </a:rPr>
+              <a:t>highVal</a:t>
+            </a:r>
+            <a:r>
+              <a:rPr kumimoji="0" lang="en-US" altLang="en-US" sz="1800" b="0" i="0" u="none" strike="noStrike" cap="none" normalizeH="0" baseline="0" dirty="0">
+                <a:ln>
+                  <a:noFill/>
+                </a:ln>
+                <a:solidFill>
+                  <a:srgbClr val="A9B7C6"/>
+                </a:solidFill>
+                <a:effectLst/>
+                <a:latin typeface="JetBrains Mono"/>
+              </a:rPr>
+              <a:t> + </a:t>
+            </a:r>
+            <a:r>
+              <a:rPr kumimoji="0" lang="en-US" altLang="en-US" sz="1800" b="0" i="0" u="none" strike="noStrike" cap="none" normalizeH="0" baseline="0" dirty="0" err="1">
+                <a:ln>
+                  <a:noFill/>
+                </a:ln>
+                <a:solidFill>
+                  <a:srgbClr val="A9B7C6"/>
+                </a:solidFill>
+                <a:effectLst/>
+                <a:latin typeface="JetBrains Mono"/>
+              </a:rPr>
+              <a:t>lowVal</a:t>
+            </a:r>
+            <a:r>
+              <a:rPr kumimoji="0" lang="en-US" altLang="en-US" sz="1800" b="0" i="0" u="none" strike="noStrike" cap="none" normalizeH="0" baseline="0" dirty="0">
+                <a:ln>
+                  <a:noFill/>
+                </a:ln>
+                <a:solidFill>
+                  <a:srgbClr val="A9B7C6"/>
+                </a:solidFill>
+                <a:effectLst/>
+                <a:latin typeface="JetBrains Mono"/>
+              </a:rPr>
+              <a:t>) / </a:t>
+            </a:r>
+            <a:r>
+              <a:rPr kumimoji="0" lang="en-US" altLang="en-US" sz="1800" b="0" i="0" u="none" strike="noStrike" cap="none" normalizeH="0" baseline="0" dirty="0">
+                <a:ln>
+                  <a:noFill/>
+                </a:ln>
+                <a:solidFill>
+                  <a:srgbClr val="6897BB"/>
+                </a:solidFill>
+                <a:effectLst/>
+                <a:latin typeface="JetBrains Mono"/>
+              </a:rPr>
+              <a:t>2</a:t>
+            </a:r>
+            <a:r>
+              <a:rPr kumimoji="0" lang="en-US" altLang="en-US" sz="1800" b="0" i="0" u="none" strike="noStrike" cap="none" normalizeH="0" baseline="0" dirty="0">
+                <a:ln>
+                  <a:noFill/>
+                </a:ln>
+                <a:solidFill>
+                  <a:srgbClr val="CC7832"/>
+                </a:solidFill>
+                <a:effectLst/>
+                <a:latin typeface="JetBrains Mono"/>
+              </a:rPr>
+              <a:t>;</a:t>
+            </a:r>
+            <a:br>
+              <a:rPr kumimoji="0" lang="en-US" altLang="en-US" sz="1800" b="0" i="0" u="none" strike="noStrike" cap="none" normalizeH="0" baseline="0" dirty="0">
+                <a:ln>
+                  <a:noFill/>
+                </a:ln>
+                <a:solidFill>
+                  <a:srgbClr val="CC7832"/>
+                </a:solidFill>
+                <a:effectLst/>
+                <a:latin typeface="JetBrains Mono"/>
+              </a:rPr>
+            </a:br>
+            <a:r>
+              <a:rPr kumimoji="0" lang="en-US" altLang="en-US" sz="1800" b="0" i="0" u="none" strike="noStrike" cap="none" normalizeH="0" baseline="0" dirty="0">
+                <a:ln>
+                  <a:noFill/>
+                </a:ln>
+                <a:solidFill>
+                  <a:srgbClr val="CC7832"/>
+                </a:solidFill>
+                <a:effectLst/>
+                <a:latin typeface="JetBrains Mono"/>
+              </a:rPr>
+              <a:t>        </a:t>
+            </a:r>
+            <a:r>
+              <a:rPr kumimoji="0" lang="en-US" altLang="en-US" sz="1800" b="0" i="0" u="none" strike="noStrike" cap="none" normalizeH="0" baseline="0" dirty="0" err="1">
+                <a:ln>
+                  <a:noFill/>
+                </a:ln>
+                <a:solidFill>
+                  <a:srgbClr val="A9B7C6"/>
+                </a:solidFill>
+                <a:effectLst/>
+                <a:latin typeface="JetBrains Mono"/>
+              </a:rPr>
+              <a:t>System.</a:t>
+            </a:r>
+            <a:r>
+              <a:rPr kumimoji="0" lang="en-US" altLang="en-US" sz="1800" b="0" i="1" u="none" strike="noStrike" cap="none" normalizeH="0" baseline="0" dirty="0" err="1">
+                <a:ln>
+                  <a:noFill/>
+                </a:ln>
+                <a:solidFill>
+                  <a:srgbClr val="9876AA"/>
+                </a:solidFill>
+                <a:effectLst/>
+                <a:latin typeface="JetBrains Mono"/>
+              </a:rPr>
+              <a:t>out</a:t>
+            </a:r>
+            <a:r>
+              <a:rPr kumimoji="0" lang="en-US" altLang="en-US" sz="1800" b="0" i="0" u="none" strike="noStrike" cap="none" normalizeH="0" baseline="0" dirty="0" err="1">
+                <a:ln>
+                  <a:noFill/>
+                </a:ln>
+                <a:solidFill>
+                  <a:srgbClr val="A9B7C6"/>
+                </a:solidFill>
+                <a:effectLst/>
+                <a:latin typeface="JetBrains Mono"/>
+              </a:rPr>
+              <a:t>.print</a:t>
+            </a:r>
+            <a:r>
+              <a:rPr kumimoji="0" lang="en-US" altLang="en-US" sz="1800" b="0" i="0" u="none" strike="noStrike" cap="none" normalizeH="0" baseline="0" dirty="0">
+                <a:ln>
+                  <a:noFill/>
+                </a:ln>
+                <a:solidFill>
+                  <a:srgbClr val="A9B7C6"/>
+                </a:solidFill>
+                <a:effectLst/>
+                <a:latin typeface="JetBrains Mono"/>
+              </a:rPr>
+              <a:t>(number)</a:t>
+            </a:r>
+            <a:r>
+              <a:rPr kumimoji="0" lang="en-US" altLang="en-US" sz="1800" b="0" i="0" u="none" strike="noStrike" cap="none" normalizeH="0" baseline="0" dirty="0">
+                <a:ln>
+                  <a:noFill/>
+                </a:ln>
+                <a:solidFill>
+                  <a:srgbClr val="CC7832"/>
+                </a:solidFill>
+                <a:effectLst/>
+                <a:latin typeface="JetBrains Mono"/>
+              </a:rPr>
+              <a:t>;</a:t>
+            </a:r>
+            <a:br>
+              <a:rPr kumimoji="0" lang="en-US" altLang="en-US" sz="1800" b="0" i="0" u="none" strike="noStrike" cap="none" normalizeH="0" baseline="0" dirty="0">
+                <a:ln>
+                  <a:noFill/>
+                </a:ln>
+                <a:solidFill>
+                  <a:srgbClr val="CC7832"/>
+                </a:solidFill>
+                <a:effectLst/>
+                <a:latin typeface="JetBrains Mono"/>
+              </a:rPr>
+            </a:br>
+            <a:r>
+              <a:rPr kumimoji="0" lang="en-US" altLang="en-US" sz="1800" b="0" i="0" u="none" strike="noStrike" cap="none" normalizeH="0" baseline="0" dirty="0">
+                <a:ln>
+                  <a:noFill/>
+                </a:ln>
+                <a:solidFill>
+                  <a:srgbClr val="CC7832"/>
+                </a:solidFill>
+                <a:effectLst/>
+                <a:latin typeface="JetBrains Mono"/>
+              </a:rPr>
+              <a:t>        </a:t>
+            </a:r>
+            <a:r>
+              <a:rPr kumimoji="0" lang="en-US" altLang="en-US" sz="1800" b="0" i="0" u="none" strike="noStrike" cap="none" normalizeH="0" baseline="0" dirty="0" err="1">
+                <a:ln>
+                  <a:noFill/>
+                </a:ln>
+                <a:solidFill>
+                  <a:srgbClr val="A9B7C6"/>
+                </a:solidFill>
+                <a:effectLst/>
+                <a:latin typeface="JetBrains Mono"/>
+              </a:rPr>
+              <a:t>System.</a:t>
+            </a:r>
+            <a:r>
+              <a:rPr kumimoji="0" lang="en-US" altLang="en-US" sz="1800" b="0" i="1" u="none" strike="noStrike" cap="none" normalizeH="0" baseline="0" dirty="0" err="1">
+                <a:ln>
+                  <a:noFill/>
+                </a:ln>
+                <a:solidFill>
+                  <a:srgbClr val="9876AA"/>
+                </a:solidFill>
+                <a:effectLst/>
+                <a:latin typeface="JetBrains Mono"/>
+              </a:rPr>
+              <a:t>out</a:t>
+            </a:r>
+            <a:r>
+              <a:rPr kumimoji="0" lang="en-US" altLang="en-US" sz="1800" b="0" i="0" u="none" strike="noStrike" cap="none" normalizeH="0" baseline="0" dirty="0" err="1">
+                <a:ln>
+                  <a:noFill/>
+                </a:ln>
+                <a:solidFill>
+                  <a:srgbClr val="A9B7C6"/>
+                </a:solidFill>
+                <a:effectLst/>
+                <a:latin typeface="JetBrains Mono"/>
+              </a:rPr>
+              <a:t>.print</a:t>
+            </a:r>
+            <a:r>
+              <a:rPr kumimoji="0" lang="en-US" altLang="en-US" sz="1800" b="0" i="0" u="none" strike="noStrike" cap="none" normalizeH="0" baseline="0" dirty="0">
+                <a:ln>
+                  <a:noFill/>
+                </a:ln>
+                <a:solidFill>
+                  <a:srgbClr val="A9B7C6"/>
+                </a:solidFill>
+                <a:effectLst/>
+                <a:latin typeface="JetBrains Mono"/>
+              </a:rPr>
+              <a:t>(</a:t>
+            </a:r>
+            <a:r>
+              <a:rPr kumimoji="0" lang="en-US" altLang="en-US" sz="1800" b="0" i="0" u="none" strike="noStrike" cap="none" normalizeH="0" baseline="0" dirty="0">
+                <a:ln>
+                  <a:noFill/>
+                </a:ln>
+                <a:solidFill>
+                  <a:srgbClr val="6A8759"/>
+                </a:solidFill>
+                <a:effectLst/>
+                <a:latin typeface="JetBrains Mono"/>
+              </a:rPr>
+              <a:t>" "</a:t>
+            </a:r>
+            <a:r>
+              <a:rPr kumimoji="0" lang="en-US" altLang="en-US" sz="1800" b="0" i="0" u="none" strike="noStrike" cap="none" normalizeH="0" baseline="0" dirty="0">
+                <a:ln>
+                  <a:noFill/>
+                </a:ln>
+                <a:solidFill>
+                  <a:srgbClr val="A9B7C6"/>
+                </a:solidFill>
+                <a:effectLst/>
+                <a:latin typeface="JetBrains Mono"/>
+              </a:rPr>
+              <a:t>)</a:t>
+            </a:r>
+            <a:r>
+              <a:rPr kumimoji="0" lang="en-US" altLang="en-US" sz="1800" b="0" i="0" u="none" strike="noStrike" cap="none" normalizeH="0" baseline="0" dirty="0">
+                <a:ln>
+                  <a:noFill/>
+                </a:ln>
+                <a:solidFill>
+                  <a:srgbClr val="CC7832"/>
+                </a:solidFill>
+                <a:effectLst/>
+                <a:latin typeface="JetBrains Mono"/>
+              </a:rPr>
+              <a:t>;</a:t>
+            </a:r>
+            <a:br>
+              <a:rPr kumimoji="0" lang="en-US" altLang="en-US" sz="1800" b="0" i="0" u="none" strike="noStrike" cap="none" normalizeH="0" baseline="0" dirty="0">
+                <a:ln>
+                  <a:noFill/>
+                </a:ln>
+                <a:solidFill>
+                  <a:srgbClr val="CC7832"/>
+                </a:solidFill>
+                <a:effectLst/>
+                <a:latin typeface="JetBrains Mono"/>
+              </a:rPr>
+            </a:br>
+            <a:r>
+              <a:rPr kumimoji="0" lang="en-US" altLang="en-US" sz="1800" b="0" i="0" u="none" strike="noStrike" cap="none" normalizeH="0" baseline="0" dirty="0">
+                <a:ln>
+                  <a:noFill/>
+                </a:ln>
+                <a:solidFill>
+                  <a:srgbClr val="CC7832"/>
+                </a:solidFill>
+                <a:effectLst/>
+                <a:latin typeface="JetBrains Mono"/>
+              </a:rPr>
+              <a:t>        </a:t>
+            </a:r>
+            <a:r>
+              <a:rPr kumimoji="0" lang="en-US" altLang="en-US" sz="1800" b="0" i="0" u="none" strike="noStrike" cap="none" normalizeH="0" baseline="0" dirty="0" err="1">
+                <a:ln>
+                  <a:noFill/>
+                </a:ln>
+                <a:solidFill>
+                  <a:srgbClr val="A9B7C6"/>
+                </a:solidFill>
+                <a:effectLst/>
+                <a:latin typeface="JetBrains Mono"/>
+              </a:rPr>
+              <a:t>System.</a:t>
+            </a:r>
+            <a:r>
+              <a:rPr kumimoji="0" lang="en-US" altLang="en-US" sz="1800" b="0" i="1" u="none" strike="noStrike" cap="none" normalizeH="0" baseline="0" dirty="0" err="1">
+                <a:ln>
+                  <a:noFill/>
+                </a:ln>
+                <a:solidFill>
+                  <a:srgbClr val="9876AA"/>
+                </a:solidFill>
+                <a:effectLst/>
+                <a:latin typeface="JetBrains Mono"/>
+              </a:rPr>
+              <a:t>out</a:t>
+            </a:r>
+            <a:r>
+              <a:rPr kumimoji="0" lang="en-US" altLang="en-US" sz="1800" b="0" i="0" u="none" strike="noStrike" cap="none" normalizeH="0" baseline="0" dirty="0" err="1">
+                <a:ln>
+                  <a:noFill/>
+                </a:ln>
+                <a:solidFill>
+                  <a:srgbClr val="A9B7C6"/>
+                </a:solidFill>
+                <a:effectLst/>
+                <a:latin typeface="JetBrains Mono"/>
+              </a:rPr>
+              <a:t>.print</a:t>
+            </a:r>
+            <a:r>
+              <a:rPr kumimoji="0" lang="en-US" altLang="en-US" sz="1800" b="0" i="0" u="none" strike="noStrike" cap="none" normalizeH="0" baseline="0" dirty="0">
+                <a:ln>
+                  <a:noFill/>
+                </a:ln>
+                <a:solidFill>
+                  <a:srgbClr val="A9B7C6"/>
+                </a:solidFill>
+                <a:effectLst/>
+                <a:latin typeface="JetBrains Mono"/>
+              </a:rPr>
+              <a:t>(</a:t>
+            </a:r>
+            <a:r>
+              <a:rPr kumimoji="0" lang="en-US" altLang="en-US" sz="1800" b="0" i="0" u="none" strike="noStrike" cap="none" normalizeH="0" baseline="0" dirty="0" err="1">
+                <a:ln>
+                  <a:noFill/>
+                </a:ln>
+                <a:solidFill>
+                  <a:srgbClr val="A9B7C6"/>
+                </a:solidFill>
+                <a:effectLst/>
+                <a:latin typeface="JetBrains Mono"/>
+              </a:rPr>
+              <a:t>midVal</a:t>
+            </a:r>
+            <a:r>
+              <a:rPr kumimoji="0" lang="en-US" altLang="en-US" sz="1800" b="0" i="0" u="none" strike="noStrike" cap="none" normalizeH="0" baseline="0" dirty="0">
+                <a:ln>
+                  <a:noFill/>
+                </a:ln>
+                <a:solidFill>
+                  <a:srgbClr val="A9B7C6"/>
+                </a:solidFill>
+                <a:effectLst/>
+                <a:latin typeface="JetBrains Mono"/>
+              </a:rPr>
+              <a:t>)</a:t>
+            </a:r>
+            <a:r>
+              <a:rPr kumimoji="0" lang="en-US" altLang="en-US" sz="1800" b="0" i="0" u="none" strike="noStrike" cap="none" normalizeH="0" baseline="0" dirty="0">
+                <a:ln>
+                  <a:noFill/>
+                </a:ln>
+                <a:solidFill>
+                  <a:srgbClr val="CC7832"/>
+                </a:solidFill>
+                <a:effectLst/>
+                <a:latin typeface="JetBrains Mono"/>
+              </a:rPr>
+              <a:t>;</a:t>
+            </a:r>
+            <a:br>
+              <a:rPr kumimoji="0" lang="en-US" altLang="en-US" sz="1800" b="0" i="0" u="none" strike="noStrike" cap="none" normalizeH="0" baseline="0" dirty="0">
+                <a:ln>
+                  <a:noFill/>
+                </a:ln>
+                <a:solidFill>
+                  <a:srgbClr val="CC7832"/>
+                </a:solidFill>
+                <a:effectLst/>
+                <a:latin typeface="JetBrains Mono"/>
+              </a:rPr>
+            </a:br>
+            <a:r>
+              <a:rPr kumimoji="0" lang="en-US" altLang="en-US" sz="1800" b="0" i="0" u="none" strike="noStrike" cap="none" normalizeH="0" baseline="0" dirty="0">
+                <a:ln>
+                  <a:noFill/>
+                </a:ln>
+                <a:solidFill>
+                  <a:srgbClr val="CC7832"/>
+                </a:solidFill>
+                <a:effectLst/>
+                <a:latin typeface="JetBrains Mono"/>
+              </a:rPr>
+              <a:t>        if </a:t>
+            </a:r>
+            <a:r>
+              <a:rPr kumimoji="0" lang="en-US" altLang="en-US" sz="1800" b="0" i="0" u="none" strike="noStrike" cap="none" normalizeH="0" baseline="0" dirty="0">
+                <a:ln>
+                  <a:noFill/>
+                </a:ln>
+                <a:solidFill>
+                  <a:srgbClr val="A9B7C6"/>
+                </a:solidFill>
+                <a:effectLst/>
+                <a:latin typeface="JetBrains Mono"/>
+              </a:rPr>
+              <a:t>(number == </a:t>
+            </a:r>
+            <a:r>
+              <a:rPr kumimoji="0" lang="en-US" altLang="en-US" sz="1800" b="0" i="0" u="none" strike="noStrike" cap="none" normalizeH="0" baseline="0" dirty="0" err="1">
+                <a:ln>
+                  <a:noFill/>
+                </a:ln>
+                <a:solidFill>
+                  <a:srgbClr val="A9B7C6"/>
+                </a:solidFill>
+                <a:effectLst/>
+                <a:latin typeface="JetBrains Mono"/>
+              </a:rPr>
+              <a:t>midVal</a:t>
+            </a:r>
+            <a:r>
+              <a:rPr kumimoji="0" lang="en-US" altLang="en-US" sz="1800" b="0" i="0" u="none" strike="noStrike" cap="none" normalizeH="0" baseline="0" dirty="0">
+                <a:ln>
+                  <a:noFill/>
+                </a:ln>
+                <a:solidFill>
+                  <a:srgbClr val="A9B7C6"/>
+                </a:solidFill>
+                <a:effectLst/>
+                <a:latin typeface="JetBrains Mono"/>
+              </a:rPr>
+              <a:t>) {</a:t>
+            </a:r>
+            <a:br>
+              <a:rPr kumimoji="0" lang="en-US" altLang="en-US" sz="1800" b="0" i="0" u="none" strike="noStrike" cap="none" normalizeH="0" baseline="0" dirty="0">
+                <a:ln>
+                  <a:noFill/>
+                </a:ln>
+                <a:solidFill>
+                  <a:srgbClr val="A9B7C6"/>
+                </a:solidFill>
+                <a:effectLst/>
+                <a:latin typeface="JetBrains Mono"/>
+              </a:rPr>
+            </a:br>
+            <a:r>
+              <a:rPr kumimoji="0" lang="en-US" altLang="en-US" sz="1800" b="0" i="0" u="none" strike="noStrike" cap="none" normalizeH="0" baseline="0" dirty="0">
+                <a:ln>
+                  <a:noFill/>
+                </a:ln>
+                <a:solidFill>
+                  <a:srgbClr val="A9B7C6"/>
+                </a:solidFill>
+                <a:effectLst/>
+                <a:latin typeface="JetBrains Mono"/>
+              </a:rPr>
+              <a:t>            </a:t>
+            </a:r>
+            <a:r>
+              <a:rPr kumimoji="0" lang="en-US" altLang="en-US" sz="1800" b="0" i="0" u="none" strike="noStrike" cap="none" normalizeH="0" baseline="0" dirty="0" err="1">
+                <a:ln>
+                  <a:noFill/>
+                </a:ln>
+                <a:solidFill>
+                  <a:srgbClr val="A9B7C6"/>
+                </a:solidFill>
+                <a:effectLst/>
+                <a:latin typeface="JetBrains Mono"/>
+              </a:rPr>
+              <a:t>System.</a:t>
+            </a:r>
+            <a:r>
+              <a:rPr kumimoji="0" lang="en-US" altLang="en-US" sz="1800" b="0" i="1" u="none" strike="noStrike" cap="none" normalizeH="0" baseline="0" dirty="0" err="1">
+                <a:ln>
+                  <a:noFill/>
+                </a:ln>
+                <a:solidFill>
+                  <a:srgbClr val="9876AA"/>
+                </a:solidFill>
+                <a:effectLst/>
+                <a:latin typeface="JetBrains Mono"/>
+              </a:rPr>
+              <a:t>out</a:t>
+            </a:r>
+            <a:r>
+              <a:rPr kumimoji="0" lang="en-US" altLang="en-US" sz="1800" b="0" i="0" u="none" strike="noStrike" cap="none" normalizeH="0" baseline="0" dirty="0" err="1">
+                <a:ln>
+                  <a:noFill/>
+                </a:ln>
+                <a:solidFill>
+                  <a:srgbClr val="A9B7C6"/>
+                </a:solidFill>
+                <a:effectLst/>
+                <a:latin typeface="JetBrains Mono"/>
+              </a:rPr>
+              <a:t>.println</a:t>
+            </a:r>
+            <a:r>
+              <a:rPr kumimoji="0" lang="en-US" altLang="en-US" sz="1800" b="0" i="0" u="none" strike="noStrike" cap="none" normalizeH="0" baseline="0" dirty="0">
+                <a:ln>
+                  <a:noFill/>
+                </a:ln>
+                <a:solidFill>
+                  <a:srgbClr val="A9B7C6"/>
+                </a:solidFill>
+                <a:effectLst/>
+                <a:latin typeface="JetBrains Mono"/>
+              </a:rPr>
+              <a:t>(</a:t>
+            </a:r>
+            <a:r>
+              <a:rPr kumimoji="0" lang="en-US" altLang="en-US" sz="1800" b="0" i="0" u="none" strike="noStrike" cap="none" normalizeH="0" baseline="0" dirty="0">
+                <a:ln>
+                  <a:noFill/>
+                </a:ln>
+                <a:solidFill>
+                  <a:srgbClr val="6A8759"/>
+                </a:solidFill>
+                <a:effectLst/>
+                <a:latin typeface="JetBrains Mono"/>
+              </a:rPr>
+              <a:t>" f"</a:t>
+            </a:r>
+            <a:r>
+              <a:rPr kumimoji="0" lang="en-US" altLang="en-US" sz="1800" b="0" i="0" u="none" strike="noStrike" cap="none" normalizeH="0" baseline="0" dirty="0">
+                <a:ln>
+                  <a:noFill/>
+                </a:ln>
+                <a:solidFill>
+                  <a:srgbClr val="A9B7C6"/>
+                </a:solidFill>
+                <a:effectLst/>
+                <a:latin typeface="JetBrains Mono"/>
+              </a:rPr>
+              <a:t>)</a:t>
+            </a:r>
+            <a:r>
+              <a:rPr kumimoji="0" lang="en-US" altLang="en-US" sz="1800" b="0" i="0" u="none" strike="noStrike" cap="none" normalizeH="0" baseline="0" dirty="0">
+                <a:ln>
+                  <a:noFill/>
+                </a:ln>
+                <a:solidFill>
+                  <a:srgbClr val="CC7832"/>
+                </a:solidFill>
+                <a:effectLst/>
+                <a:latin typeface="JetBrains Mono"/>
+              </a:rPr>
+              <a:t>;</a:t>
+            </a:r>
+            <a:br>
+              <a:rPr kumimoji="0" lang="en-US" altLang="en-US" sz="1800" b="0" i="0" u="none" strike="noStrike" cap="none" normalizeH="0" baseline="0" dirty="0">
+                <a:ln>
+                  <a:noFill/>
+                </a:ln>
+                <a:solidFill>
+                  <a:srgbClr val="CC7832"/>
+                </a:solidFill>
+                <a:effectLst/>
+                <a:latin typeface="JetBrains Mono"/>
+              </a:rPr>
+            </a:br>
+            <a:r>
+              <a:rPr kumimoji="0" lang="en-US" altLang="en-US" sz="1800" b="0" i="0" u="none" strike="noStrike" cap="none" normalizeH="0" baseline="0" dirty="0">
+                <a:ln>
+                  <a:noFill/>
+                </a:ln>
+                <a:solidFill>
+                  <a:srgbClr val="CC7832"/>
+                </a:solidFill>
+                <a:effectLst/>
+                <a:latin typeface="JetBrains Mono"/>
+              </a:rPr>
+              <a:t>        </a:t>
+            </a:r>
+            <a:r>
+              <a:rPr kumimoji="0" lang="en-US" altLang="en-US" sz="1800" b="0" i="0" u="none" strike="noStrike" cap="none" normalizeH="0" baseline="0" dirty="0">
+                <a:ln>
+                  <a:noFill/>
+                </a:ln>
+                <a:solidFill>
+                  <a:srgbClr val="A9B7C6"/>
+                </a:solidFill>
+                <a:effectLst/>
+                <a:latin typeface="JetBrains Mono"/>
+              </a:rPr>
+              <a:t>}</a:t>
+            </a:r>
+            <a:br>
+              <a:rPr kumimoji="0" lang="en-US" altLang="en-US" sz="1800" b="0" i="0" u="none" strike="noStrike" cap="none" normalizeH="0" baseline="0" dirty="0">
+                <a:ln>
+                  <a:noFill/>
+                </a:ln>
+                <a:solidFill>
+                  <a:srgbClr val="A9B7C6"/>
+                </a:solidFill>
+                <a:effectLst/>
+                <a:latin typeface="JetBrains Mono"/>
+              </a:rPr>
+            </a:br>
+            <a:r>
+              <a:rPr kumimoji="0" lang="en-US" altLang="en-US" sz="1800" b="0" i="0" u="none" strike="noStrike" cap="none" normalizeH="0" baseline="0" dirty="0">
+                <a:ln>
+                  <a:noFill/>
+                </a:ln>
+                <a:solidFill>
+                  <a:srgbClr val="A9B7C6"/>
+                </a:solidFill>
+                <a:effectLst/>
+                <a:latin typeface="JetBrains Mono"/>
+              </a:rPr>
+              <a:t>        </a:t>
+            </a:r>
+            <a:r>
+              <a:rPr kumimoji="0" lang="en-US" altLang="en-US" sz="1800" b="0" i="0" u="none" strike="noStrike" cap="none" normalizeH="0" baseline="0" dirty="0">
+                <a:ln>
+                  <a:noFill/>
+                </a:ln>
+                <a:solidFill>
+                  <a:srgbClr val="CC7832"/>
+                </a:solidFill>
+                <a:effectLst/>
+                <a:latin typeface="JetBrains Mono"/>
+              </a:rPr>
+              <a:t>else </a:t>
+            </a:r>
+            <a:r>
+              <a:rPr kumimoji="0" lang="en-US" altLang="en-US" sz="1800" b="0" i="0" u="none" strike="noStrike" cap="none" normalizeH="0" baseline="0" dirty="0">
+                <a:ln>
+                  <a:noFill/>
+                </a:ln>
+                <a:solidFill>
+                  <a:srgbClr val="A9B7C6"/>
+                </a:solidFill>
+                <a:effectLst/>
+                <a:latin typeface="JetBrains Mono"/>
+              </a:rPr>
+              <a:t>{</a:t>
+            </a:r>
+            <a:br>
+              <a:rPr kumimoji="0" lang="en-US" altLang="en-US" sz="1800" b="0" i="0" u="none" strike="noStrike" cap="none" normalizeH="0" baseline="0" dirty="0">
+                <a:ln>
+                  <a:noFill/>
+                </a:ln>
+                <a:solidFill>
+                  <a:srgbClr val="A9B7C6"/>
+                </a:solidFill>
+                <a:effectLst/>
+                <a:latin typeface="JetBrains Mono"/>
+              </a:rPr>
+            </a:br>
+            <a:r>
+              <a:rPr kumimoji="0" lang="en-US" altLang="en-US" sz="1800" b="0" i="0" u="none" strike="noStrike" cap="none" normalizeH="0" baseline="0" dirty="0">
+                <a:ln>
+                  <a:noFill/>
+                </a:ln>
+                <a:solidFill>
+                  <a:srgbClr val="A9B7C6"/>
+                </a:solidFill>
+                <a:effectLst/>
+                <a:latin typeface="JetBrains Mono"/>
+              </a:rPr>
+              <a:t>            </a:t>
+            </a:r>
+            <a:r>
+              <a:rPr kumimoji="0" lang="en-US" altLang="en-US" sz="1800" b="0" i="0" u="none" strike="noStrike" cap="none" normalizeH="0" baseline="0" dirty="0">
+                <a:ln>
+                  <a:noFill/>
+                </a:ln>
+                <a:solidFill>
+                  <a:srgbClr val="CC7832"/>
+                </a:solidFill>
+                <a:effectLst/>
+                <a:latin typeface="JetBrains Mono"/>
+              </a:rPr>
+              <a:t>if </a:t>
+            </a:r>
+            <a:r>
+              <a:rPr kumimoji="0" lang="en-US" altLang="en-US" sz="1800" b="0" i="0" u="none" strike="noStrike" cap="none" normalizeH="0" baseline="0" dirty="0">
+                <a:ln>
+                  <a:noFill/>
+                </a:ln>
+                <a:solidFill>
+                  <a:srgbClr val="A9B7C6"/>
+                </a:solidFill>
+                <a:effectLst/>
+                <a:latin typeface="JetBrains Mono"/>
+              </a:rPr>
+              <a:t>(number &lt; </a:t>
+            </a:r>
+            <a:r>
+              <a:rPr kumimoji="0" lang="en-US" altLang="en-US" sz="1800" b="0" i="0" u="none" strike="noStrike" cap="none" normalizeH="0" baseline="0" dirty="0" err="1">
+                <a:ln>
+                  <a:noFill/>
+                </a:ln>
+                <a:solidFill>
+                  <a:srgbClr val="A9B7C6"/>
+                </a:solidFill>
+                <a:effectLst/>
+                <a:latin typeface="JetBrains Mono"/>
+              </a:rPr>
+              <a:t>midVal</a:t>
+            </a:r>
+            <a:r>
+              <a:rPr kumimoji="0" lang="en-US" altLang="en-US" sz="1800" b="0" i="0" u="none" strike="noStrike" cap="none" normalizeH="0" baseline="0" dirty="0">
+                <a:ln>
+                  <a:noFill/>
+                </a:ln>
+                <a:solidFill>
+                  <a:srgbClr val="A9B7C6"/>
+                </a:solidFill>
+                <a:effectLst/>
+                <a:latin typeface="JetBrains Mono"/>
+              </a:rPr>
+              <a:t>) {</a:t>
+            </a:r>
+            <a:br>
+              <a:rPr kumimoji="0" lang="en-US" altLang="en-US" sz="1800" b="0" i="0" u="none" strike="noStrike" cap="none" normalizeH="0" baseline="0" dirty="0">
+                <a:ln>
+                  <a:noFill/>
+                </a:ln>
+                <a:solidFill>
+                  <a:srgbClr val="A9B7C6"/>
+                </a:solidFill>
+                <a:effectLst/>
+                <a:latin typeface="JetBrains Mono"/>
+              </a:rPr>
+            </a:br>
+            <a:r>
+              <a:rPr kumimoji="0" lang="en-US" altLang="en-US" sz="1800" b="0" i="0" u="none" strike="noStrike" cap="none" normalizeH="0" baseline="0" dirty="0">
+                <a:ln>
+                  <a:noFill/>
+                </a:ln>
+                <a:solidFill>
+                  <a:srgbClr val="A9B7C6"/>
+                </a:solidFill>
+                <a:effectLst/>
+                <a:latin typeface="JetBrains Mono"/>
+              </a:rPr>
+              <a:t>                </a:t>
+            </a:r>
+            <a:r>
+              <a:rPr kumimoji="0" lang="en-US" altLang="en-US" sz="1800" b="0" i="0" u="none" strike="noStrike" cap="none" normalizeH="0" baseline="0" dirty="0" err="1">
+                <a:ln>
+                  <a:noFill/>
+                </a:ln>
+                <a:solidFill>
+                  <a:srgbClr val="A9B7C6"/>
+                </a:solidFill>
+                <a:effectLst/>
+                <a:latin typeface="JetBrains Mono"/>
+              </a:rPr>
+              <a:t>System.</a:t>
+            </a:r>
+            <a:r>
+              <a:rPr kumimoji="0" lang="en-US" altLang="en-US" sz="1800" b="0" i="1" u="none" strike="noStrike" cap="none" normalizeH="0" baseline="0" dirty="0" err="1">
+                <a:ln>
+                  <a:noFill/>
+                </a:ln>
+                <a:solidFill>
+                  <a:srgbClr val="9876AA"/>
+                </a:solidFill>
+                <a:effectLst/>
+                <a:latin typeface="JetBrains Mono"/>
+              </a:rPr>
+              <a:t>out</a:t>
+            </a:r>
+            <a:r>
+              <a:rPr kumimoji="0" lang="en-US" altLang="en-US" sz="1800" b="0" i="0" u="none" strike="noStrike" cap="none" normalizeH="0" baseline="0" dirty="0" err="1">
+                <a:ln>
+                  <a:noFill/>
+                </a:ln>
+                <a:solidFill>
+                  <a:srgbClr val="A9B7C6"/>
+                </a:solidFill>
+                <a:effectLst/>
+                <a:latin typeface="JetBrains Mono"/>
+              </a:rPr>
+              <a:t>.println</a:t>
+            </a:r>
+            <a:r>
+              <a:rPr kumimoji="0" lang="en-US" altLang="en-US" sz="1800" b="0" i="0" u="none" strike="noStrike" cap="none" normalizeH="0" baseline="0" dirty="0">
+                <a:ln>
+                  <a:noFill/>
+                </a:ln>
+                <a:solidFill>
+                  <a:srgbClr val="A9B7C6"/>
+                </a:solidFill>
+                <a:effectLst/>
+                <a:latin typeface="JetBrains Mono"/>
+              </a:rPr>
+              <a:t>(</a:t>
+            </a:r>
+            <a:r>
+              <a:rPr kumimoji="0" lang="en-US" altLang="en-US" sz="1800" b="0" i="0" u="none" strike="noStrike" cap="none" normalizeH="0" baseline="0" dirty="0">
+                <a:ln>
+                  <a:noFill/>
+                </a:ln>
+                <a:solidFill>
+                  <a:srgbClr val="6A8759"/>
+                </a:solidFill>
+                <a:effectLst/>
+                <a:latin typeface="JetBrains Mono"/>
+              </a:rPr>
+              <a:t>" l"</a:t>
+            </a:r>
+            <a:r>
+              <a:rPr kumimoji="0" lang="en-US" altLang="en-US" sz="1800" b="0" i="0" u="none" strike="noStrike" cap="none" normalizeH="0" baseline="0" dirty="0">
+                <a:ln>
+                  <a:noFill/>
+                </a:ln>
+                <a:solidFill>
+                  <a:srgbClr val="A9B7C6"/>
+                </a:solidFill>
+                <a:effectLst/>
+                <a:latin typeface="JetBrains Mono"/>
+              </a:rPr>
+              <a:t>)</a:t>
+            </a:r>
+            <a:r>
+              <a:rPr kumimoji="0" lang="en-US" altLang="en-US" sz="1800" b="0" i="0" u="none" strike="noStrike" cap="none" normalizeH="0" baseline="0" dirty="0">
+                <a:ln>
+                  <a:noFill/>
+                </a:ln>
+                <a:solidFill>
+                  <a:srgbClr val="CC7832"/>
+                </a:solidFill>
+                <a:effectLst/>
+                <a:latin typeface="JetBrains Mono"/>
+              </a:rPr>
+              <a:t>;</a:t>
+            </a:r>
+            <a:br>
+              <a:rPr kumimoji="0" lang="en-US" altLang="en-US" sz="1800" b="0" i="0" u="none" strike="noStrike" cap="none" normalizeH="0" baseline="0" dirty="0">
+                <a:ln>
+                  <a:noFill/>
+                </a:ln>
+                <a:solidFill>
+                  <a:srgbClr val="CC7832"/>
+                </a:solidFill>
+                <a:effectLst/>
+                <a:latin typeface="JetBrains Mono"/>
+              </a:rPr>
+            </a:br>
+            <a:r>
+              <a:rPr kumimoji="0" lang="en-US" altLang="en-US" sz="1800" b="0" i="0" u="none" strike="noStrike" cap="none" normalizeH="0" baseline="0" dirty="0">
+                <a:ln>
+                  <a:noFill/>
+                </a:ln>
+                <a:solidFill>
+                  <a:srgbClr val="CC7832"/>
+                </a:solidFill>
+                <a:effectLst/>
+                <a:latin typeface="JetBrains Mono"/>
+              </a:rPr>
+              <a:t>                </a:t>
+            </a:r>
+            <a:r>
+              <a:rPr kumimoji="0" lang="en-US" altLang="en-US" sz="1800" b="0" i="1" u="none" strike="noStrike" cap="none" normalizeH="0" baseline="0" dirty="0" err="1">
+                <a:ln>
+                  <a:noFill/>
+                </a:ln>
+                <a:solidFill>
+                  <a:srgbClr val="A9B7C6"/>
+                </a:solidFill>
+                <a:effectLst/>
+                <a:latin typeface="JetBrains Mono"/>
+              </a:rPr>
+              <a:t>recursiveCall</a:t>
+            </a:r>
+            <a:r>
+              <a:rPr kumimoji="0" lang="en-US" altLang="en-US" sz="1800" b="0" i="0" u="none" strike="noStrike" cap="none" normalizeH="0" baseline="0" dirty="0">
+                <a:ln>
+                  <a:noFill/>
+                </a:ln>
+                <a:solidFill>
+                  <a:srgbClr val="A9B7C6"/>
+                </a:solidFill>
+                <a:effectLst/>
+                <a:latin typeface="JetBrains Mono"/>
+              </a:rPr>
+              <a:t>(number</a:t>
+            </a:r>
+            <a:r>
+              <a:rPr kumimoji="0" lang="en-US" altLang="en-US" sz="1800" b="0" i="0" u="none" strike="noStrike" cap="none" normalizeH="0" baseline="0" dirty="0">
+                <a:ln>
+                  <a:noFill/>
+                </a:ln>
+                <a:solidFill>
+                  <a:srgbClr val="CC7832"/>
+                </a:solidFill>
+                <a:effectLst/>
+                <a:latin typeface="JetBrains Mono"/>
+              </a:rPr>
+              <a:t>, </a:t>
+            </a:r>
+            <a:r>
+              <a:rPr kumimoji="0" lang="en-US" altLang="en-US" sz="1800" b="0" i="0" u="none" strike="noStrike" cap="none" normalizeH="0" baseline="0" dirty="0" err="1">
+                <a:ln>
+                  <a:noFill/>
+                </a:ln>
+                <a:solidFill>
+                  <a:srgbClr val="A9B7C6"/>
+                </a:solidFill>
+                <a:effectLst/>
+                <a:latin typeface="JetBrains Mono"/>
+              </a:rPr>
+              <a:t>lowVal</a:t>
+            </a:r>
+            <a:r>
+              <a:rPr kumimoji="0" lang="en-US" altLang="en-US" sz="1800" b="0" i="0" u="none" strike="noStrike" cap="none" normalizeH="0" baseline="0" dirty="0">
+                <a:ln>
+                  <a:noFill/>
+                </a:ln>
+                <a:solidFill>
+                  <a:srgbClr val="CC7832"/>
+                </a:solidFill>
+                <a:effectLst/>
+                <a:latin typeface="JetBrains Mono"/>
+              </a:rPr>
+              <a:t>, </a:t>
+            </a:r>
+            <a:r>
+              <a:rPr kumimoji="0" lang="en-US" altLang="en-US" sz="1800" b="0" i="0" u="none" strike="noStrike" cap="none" normalizeH="0" baseline="0" dirty="0" err="1">
+                <a:ln>
+                  <a:noFill/>
+                </a:ln>
+                <a:solidFill>
+                  <a:srgbClr val="A9B7C6"/>
+                </a:solidFill>
+                <a:effectLst/>
+                <a:latin typeface="JetBrains Mono"/>
+              </a:rPr>
+              <a:t>midVal</a:t>
+            </a:r>
+            <a:r>
+              <a:rPr kumimoji="0" lang="en-US" altLang="en-US" sz="1800" b="0" i="0" u="none" strike="noStrike" cap="none" normalizeH="0" baseline="0" dirty="0">
+                <a:ln>
+                  <a:noFill/>
+                </a:ln>
+                <a:solidFill>
+                  <a:srgbClr val="A9B7C6"/>
+                </a:solidFill>
+                <a:effectLst/>
+                <a:latin typeface="JetBrains Mono"/>
+              </a:rPr>
+              <a:t>)</a:t>
+            </a:r>
+            <a:r>
+              <a:rPr kumimoji="0" lang="en-US" altLang="en-US" sz="1800" b="0" i="0" u="none" strike="noStrike" cap="none" normalizeH="0" baseline="0" dirty="0">
+                <a:ln>
+                  <a:noFill/>
+                </a:ln>
+                <a:solidFill>
+                  <a:srgbClr val="CC7832"/>
+                </a:solidFill>
+                <a:effectLst/>
+                <a:latin typeface="JetBrains Mono"/>
+              </a:rPr>
+              <a:t>;</a:t>
+            </a:r>
+            <a:br>
+              <a:rPr kumimoji="0" lang="en-US" altLang="en-US" sz="1800" b="0" i="0" u="none" strike="noStrike" cap="none" normalizeH="0" baseline="0" dirty="0">
+                <a:ln>
+                  <a:noFill/>
+                </a:ln>
+                <a:solidFill>
+                  <a:srgbClr val="CC7832"/>
+                </a:solidFill>
+                <a:effectLst/>
+                <a:latin typeface="JetBrains Mono"/>
+              </a:rPr>
+            </a:br>
+            <a:r>
+              <a:rPr kumimoji="0" lang="en-US" altLang="en-US" sz="1800" b="0" i="0" u="none" strike="noStrike" cap="none" normalizeH="0" baseline="0" dirty="0">
+                <a:ln>
+                  <a:noFill/>
+                </a:ln>
+                <a:solidFill>
+                  <a:srgbClr val="CC7832"/>
+                </a:solidFill>
+                <a:effectLst/>
+                <a:latin typeface="JetBrains Mono"/>
+              </a:rPr>
+              <a:t>            </a:t>
+            </a:r>
+            <a:r>
+              <a:rPr kumimoji="0" lang="en-US" altLang="en-US" sz="1800" b="0" i="0" u="none" strike="noStrike" cap="none" normalizeH="0" baseline="0" dirty="0">
+                <a:ln>
+                  <a:noFill/>
+                </a:ln>
+                <a:solidFill>
+                  <a:srgbClr val="A9B7C6"/>
+                </a:solidFill>
+                <a:effectLst/>
+                <a:latin typeface="JetBrains Mono"/>
+              </a:rPr>
+              <a:t>}</a:t>
+            </a:r>
+            <a:br>
+              <a:rPr kumimoji="0" lang="en-US" altLang="en-US" sz="1800" b="0" i="0" u="none" strike="noStrike" cap="none" normalizeH="0" baseline="0" dirty="0">
+                <a:ln>
+                  <a:noFill/>
+                </a:ln>
+                <a:solidFill>
+                  <a:srgbClr val="A9B7C6"/>
+                </a:solidFill>
+                <a:effectLst/>
+                <a:latin typeface="JetBrains Mono"/>
+              </a:rPr>
+            </a:br>
+            <a:r>
+              <a:rPr kumimoji="0" lang="en-US" altLang="en-US" sz="1800" b="0" i="0" u="none" strike="noStrike" cap="none" normalizeH="0" baseline="0" dirty="0">
+                <a:ln>
+                  <a:noFill/>
+                </a:ln>
+                <a:solidFill>
+                  <a:srgbClr val="A9B7C6"/>
+                </a:solidFill>
+                <a:effectLst/>
+                <a:latin typeface="JetBrains Mono"/>
+              </a:rPr>
+              <a:t>            </a:t>
+            </a:r>
+            <a:r>
+              <a:rPr kumimoji="0" lang="en-US" altLang="en-US" sz="1800" b="0" i="0" u="none" strike="noStrike" cap="none" normalizeH="0" baseline="0" dirty="0">
+                <a:ln>
+                  <a:noFill/>
+                </a:ln>
+                <a:solidFill>
+                  <a:srgbClr val="CC7832"/>
+                </a:solidFill>
+                <a:effectLst/>
+                <a:latin typeface="JetBrains Mono"/>
+              </a:rPr>
+              <a:t>else </a:t>
+            </a:r>
+            <a:r>
+              <a:rPr kumimoji="0" lang="en-US" altLang="en-US" sz="1800" b="0" i="0" u="none" strike="noStrike" cap="none" normalizeH="0" baseline="0" dirty="0">
+                <a:ln>
+                  <a:noFill/>
+                </a:ln>
+                <a:solidFill>
+                  <a:srgbClr val="A9B7C6"/>
+                </a:solidFill>
+                <a:effectLst/>
+                <a:latin typeface="JetBrains Mono"/>
+              </a:rPr>
+              <a:t>{</a:t>
+            </a:r>
+            <a:br>
+              <a:rPr kumimoji="0" lang="en-US" altLang="en-US" sz="1800" b="0" i="0" u="none" strike="noStrike" cap="none" normalizeH="0" baseline="0" dirty="0">
+                <a:ln>
+                  <a:noFill/>
+                </a:ln>
+                <a:solidFill>
+                  <a:srgbClr val="A9B7C6"/>
+                </a:solidFill>
+                <a:effectLst/>
+                <a:latin typeface="JetBrains Mono"/>
+              </a:rPr>
+            </a:br>
+            <a:r>
+              <a:rPr kumimoji="0" lang="en-US" altLang="en-US" sz="1800" b="0" i="0" u="none" strike="noStrike" cap="none" normalizeH="0" baseline="0" dirty="0">
+                <a:ln>
+                  <a:noFill/>
+                </a:ln>
+                <a:solidFill>
+                  <a:srgbClr val="A9B7C6"/>
+                </a:solidFill>
+                <a:effectLst/>
+                <a:latin typeface="JetBrains Mono"/>
+              </a:rPr>
+              <a:t>                </a:t>
+            </a:r>
+            <a:r>
+              <a:rPr kumimoji="0" lang="en-US" altLang="en-US" sz="1800" b="0" i="0" u="none" strike="noStrike" cap="none" normalizeH="0" baseline="0" dirty="0" err="1">
+                <a:ln>
+                  <a:noFill/>
+                </a:ln>
+                <a:solidFill>
+                  <a:srgbClr val="A9B7C6"/>
+                </a:solidFill>
+                <a:effectLst/>
+                <a:latin typeface="JetBrains Mono"/>
+              </a:rPr>
+              <a:t>System.</a:t>
+            </a:r>
+            <a:r>
+              <a:rPr kumimoji="0" lang="en-US" altLang="en-US" sz="1800" b="0" i="1" u="none" strike="noStrike" cap="none" normalizeH="0" baseline="0" dirty="0" err="1">
+                <a:ln>
+                  <a:noFill/>
+                </a:ln>
+                <a:solidFill>
+                  <a:srgbClr val="9876AA"/>
+                </a:solidFill>
+                <a:effectLst/>
+                <a:latin typeface="JetBrains Mono"/>
+              </a:rPr>
+              <a:t>out</a:t>
+            </a:r>
+            <a:r>
+              <a:rPr kumimoji="0" lang="en-US" altLang="en-US" sz="1800" b="0" i="0" u="none" strike="noStrike" cap="none" normalizeH="0" baseline="0" dirty="0" err="1">
+                <a:ln>
+                  <a:noFill/>
+                </a:ln>
+                <a:solidFill>
+                  <a:srgbClr val="A9B7C6"/>
+                </a:solidFill>
+                <a:effectLst/>
+                <a:latin typeface="JetBrains Mono"/>
+              </a:rPr>
+              <a:t>.println</a:t>
+            </a:r>
+            <a:r>
+              <a:rPr kumimoji="0" lang="en-US" altLang="en-US" sz="1800" b="0" i="0" u="none" strike="noStrike" cap="none" normalizeH="0" baseline="0" dirty="0">
+                <a:ln>
+                  <a:noFill/>
+                </a:ln>
+                <a:solidFill>
+                  <a:srgbClr val="A9B7C6"/>
+                </a:solidFill>
+                <a:effectLst/>
+                <a:latin typeface="JetBrains Mono"/>
+              </a:rPr>
+              <a:t>(</a:t>
+            </a:r>
+            <a:r>
+              <a:rPr kumimoji="0" lang="en-US" altLang="en-US" sz="1800" b="0" i="0" u="none" strike="noStrike" cap="none" normalizeH="0" baseline="0" dirty="0">
+                <a:ln>
+                  <a:noFill/>
+                </a:ln>
+                <a:solidFill>
+                  <a:srgbClr val="6A8759"/>
+                </a:solidFill>
+                <a:effectLst/>
+                <a:latin typeface="JetBrains Mono"/>
+              </a:rPr>
+              <a:t>" h"</a:t>
+            </a:r>
+            <a:r>
+              <a:rPr kumimoji="0" lang="en-US" altLang="en-US" sz="1800" b="0" i="0" u="none" strike="noStrike" cap="none" normalizeH="0" baseline="0" dirty="0">
+                <a:ln>
+                  <a:noFill/>
+                </a:ln>
+                <a:solidFill>
+                  <a:srgbClr val="A9B7C6"/>
+                </a:solidFill>
+                <a:effectLst/>
+                <a:latin typeface="JetBrains Mono"/>
+              </a:rPr>
+              <a:t>)</a:t>
+            </a:r>
+            <a:r>
+              <a:rPr kumimoji="0" lang="en-US" altLang="en-US" sz="1800" b="0" i="0" u="none" strike="noStrike" cap="none" normalizeH="0" baseline="0" dirty="0">
+                <a:ln>
+                  <a:noFill/>
+                </a:ln>
+                <a:solidFill>
+                  <a:srgbClr val="CC7832"/>
+                </a:solidFill>
+                <a:effectLst/>
+                <a:latin typeface="JetBrains Mono"/>
+              </a:rPr>
+              <a:t>;</a:t>
+            </a:r>
+            <a:br>
+              <a:rPr kumimoji="0" lang="en-US" altLang="en-US" sz="1800" b="0" i="0" u="none" strike="noStrike" cap="none" normalizeH="0" baseline="0" dirty="0">
+                <a:ln>
+                  <a:noFill/>
+                </a:ln>
+                <a:solidFill>
+                  <a:srgbClr val="CC7832"/>
+                </a:solidFill>
+                <a:effectLst/>
+                <a:latin typeface="JetBrains Mono"/>
+              </a:rPr>
+            </a:br>
+            <a:r>
+              <a:rPr kumimoji="0" lang="en-US" altLang="en-US" sz="1800" b="0" i="0" u="none" strike="noStrike" cap="none" normalizeH="0" baseline="0" dirty="0">
+                <a:ln>
+                  <a:noFill/>
+                </a:ln>
+                <a:solidFill>
+                  <a:srgbClr val="CC7832"/>
+                </a:solidFill>
+                <a:effectLst/>
+                <a:latin typeface="JetBrains Mono"/>
+              </a:rPr>
+              <a:t>                </a:t>
+            </a:r>
+            <a:r>
+              <a:rPr kumimoji="0" lang="en-US" altLang="en-US" sz="1800" b="0" i="1" u="none" strike="noStrike" cap="none" normalizeH="0" baseline="0" dirty="0" err="1">
+                <a:ln>
+                  <a:noFill/>
+                </a:ln>
+                <a:solidFill>
+                  <a:srgbClr val="A9B7C6"/>
+                </a:solidFill>
+                <a:effectLst/>
+                <a:latin typeface="JetBrains Mono"/>
+              </a:rPr>
+              <a:t>recursiveCall</a:t>
+            </a:r>
+            <a:r>
+              <a:rPr kumimoji="0" lang="en-US" altLang="en-US" sz="1800" b="0" i="0" u="none" strike="noStrike" cap="none" normalizeH="0" baseline="0" dirty="0">
+                <a:ln>
+                  <a:noFill/>
+                </a:ln>
+                <a:solidFill>
+                  <a:srgbClr val="A9B7C6"/>
+                </a:solidFill>
+                <a:effectLst/>
+                <a:latin typeface="JetBrains Mono"/>
+              </a:rPr>
+              <a:t>(number</a:t>
+            </a:r>
+            <a:r>
+              <a:rPr kumimoji="0" lang="en-US" altLang="en-US" sz="1800" b="0" i="0" u="none" strike="noStrike" cap="none" normalizeH="0" baseline="0" dirty="0">
+                <a:ln>
+                  <a:noFill/>
+                </a:ln>
+                <a:solidFill>
+                  <a:srgbClr val="CC7832"/>
+                </a:solidFill>
+                <a:effectLst/>
+                <a:latin typeface="JetBrains Mono"/>
+              </a:rPr>
+              <a:t>, </a:t>
+            </a:r>
+            <a:r>
+              <a:rPr kumimoji="0" lang="en-US" altLang="en-US" sz="1800" b="0" i="0" u="none" strike="noStrike" cap="none" normalizeH="0" baseline="0" dirty="0" err="1">
+                <a:ln>
+                  <a:noFill/>
+                </a:ln>
+                <a:solidFill>
+                  <a:srgbClr val="A9B7C6"/>
+                </a:solidFill>
+                <a:effectLst/>
+                <a:latin typeface="JetBrains Mono"/>
+              </a:rPr>
+              <a:t>midVal</a:t>
+            </a:r>
+            <a:r>
+              <a:rPr kumimoji="0" lang="en-US" altLang="en-US" sz="1800" b="0" i="0" u="none" strike="noStrike" cap="none" normalizeH="0" baseline="0" dirty="0">
+                <a:ln>
+                  <a:noFill/>
+                </a:ln>
+                <a:solidFill>
+                  <a:srgbClr val="A9B7C6"/>
+                </a:solidFill>
+                <a:effectLst/>
+                <a:latin typeface="JetBrains Mono"/>
+              </a:rPr>
+              <a:t> + </a:t>
+            </a:r>
+            <a:r>
+              <a:rPr kumimoji="0" lang="en-US" altLang="en-US" sz="1800" b="0" i="0" u="none" strike="noStrike" cap="none" normalizeH="0" baseline="0" dirty="0">
+                <a:ln>
+                  <a:noFill/>
+                </a:ln>
+                <a:solidFill>
+                  <a:srgbClr val="6897BB"/>
+                </a:solidFill>
+                <a:effectLst/>
+                <a:latin typeface="JetBrains Mono"/>
+              </a:rPr>
+              <a:t>1</a:t>
+            </a:r>
+            <a:r>
+              <a:rPr kumimoji="0" lang="en-US" altLang="en-US" sz="1800" b="0" i="0" u="none" strike="noStrike" cap="none" normalizeH="0" baseline="0" dirty="0">
+                <a:ln>
+                  <a:noFill/>
+                </a:ln>
+                <a:solidFill>
+                  <a:srgbClr val="CC7832"/>
+                </a:solidFill>
+                <a:effectLst/>
+                <a:latin typeface="JetBrains Mono"/>
+              </a:rPr>
+              <a:t>, </a:t>
+            </a:r>
+            <a:r>
+              <a:rPr kumimoji="0" lang="en-US" altLang="en-US" sz="1800" b="0" i="0" u="none" strike="noStrike" cap="none" normalizeH="0" baseline="0" dirty="0" err="1">
+                <a:ln>
+                  <a:noFill/>
+                </a:ln>
+                <a:solidFill>
+                  <a:srgbClr val="A9B7C6"/>
+                </a:solidFill>
+                <a:effectLst/>
+                <a:latin typeface="JetBrains Mono"/>
+              </a:rPr>
+              <a:t>highVal</a:t>
+            </a:r>
+            <a:r>
+              <a:rPr kumimoji="0" lang="en-US" altLang="en-US" sz="1800" b="0" i="0" u="none" strike="noStrike" cap="none" normalizeH="0" baseline="0" dirty="0">
+                <a:ln>
+                  <a:noFill/>
+                </a:ln>
+                <a:solidFill>
+                  <a:srgbClr val="A9B7C6"/>
+                </a:solidFill>
+                <a:effectLst/>
+                <a:latin typeface="JetBrains Mono"/>
+              </a:rPr>
+              <a:t>)</a:t>
+            </a:r>
+            <a:r>
+              <a:rPr kumimoji="0" lang="en-US" altLang="en-US" sz="1800" b="0" i="0" u="none" strike="noStrike" cap="none" normalizeH="0" baseline="0" dirty="0">
+                <a:ln>
+                  <a:noFill/>
+                </a:ln>
+                <a:solidFill>
+                  <a:srgbClr val="CC7832"/>
+                </a:solidFill>
+                <a:effectLst/>
+                <a:latin typeface="JetBrains Mono"/>
+              </a:rPr>
+              <a:t>;</a:t>
+            </a:r>
+            <a:br>
+              <a:rPr kumimoji="0" lang="en-US" altLang="en-US" sz="1800" b="0" i="0" u="none" strike="noStrike" cap="none" normalizeH="0" baseline="0" dirty="0">
+                <a:ln>
+                  <a:noFill/>
+                </a:ln>
+                <a:solidFill>
+                  <a:srgbClr val="CC7832"/>
+                </a:solidFill>
+                <a:effectLst/>
+                <a:latin typeface="JetBrains Mono"/>
+              </a:rPr>
+            </a:br>
+            <a:r>
+              <a:rPr kumimoji="0" lang="en-US" altLang="en-US" sz="1800" b="0" i="0" u="none" strike="noStrike" cap="none" normalizeH="0" baseline="0" dirty="0">
+                <a:ln>
+                  <a:noFill/>
+                </a:ln>
+                <a:solidFill>
+                  <a:srgbClr val="CC7832"/>
+                </a:solidFill>
+                <a:effectLst/>
+                <a:latin typeface="JetBrains Mono"/>
+              </a:rPr>
+              <a:t>            </a:t>
+            </a:r>
+            <a:r>
+              <a:rPr kumimoji="0" lang="en-US" altLang="en-US" sz="1800" b="0" i="0" u="none" strike="noStrike" cap="none" normalizeH="0" baseline="0" dirty="0">
+                <a:ln>
+                  <a:noFill/>
+                </a:ln>
+                <a:solidFill>
+                  <a:srgbClr val="A9B7C6"/>
+                </a:solidFill>
+                <a:effectLst/>
+                <a:latin typeface="JetBrains Mono"/>
+              </a:rPr>
+              <a:t>}</a:t>
+            </a:r>
+            <a:br>
+              <a:rPr kumimoji="0" lang="en-US" altLang="en-US" sz="1800" b="0" i="0" u="none" strike="noStrike" cap="none" normalizeH="0" baseline="0" dirty="0">
+                <a:ln>
+                  <a:noFill/>
+                </a:ln>
+                <a:solidFill>
+                  <a:srgbClr val="A9B7C6"/>
+                </a:solidFill>
+                <a:effectLst/>
+                <a:latin typeface="JetBrains Mono"/>
+              </a:rPr>
+            </a:br>
+            <a:r>
+              <a:rPr kumimoji="0" lang="en-US" altLang="en-US" sz="1800" b="0" i="0" u="none" strike="noStrike" cap="none" normalizeH="0" baseline="0" dirty="0">
+                <a:ln>
+                  <a:noFill/>
+                </a:ln>
+                <a:solidFill>
+                  <a:srgbClr val="A9B7C6"/>
+                </a:solidFill>
+                <a:effectLst/>
+                <a:latin typeface="JetBrains Mono"/>
+              </a:rPr>
+              <a:t>        }</a:t>
+            </a:r>
+            <a:br>
+              <a:rPr kumimoji="0" lang="en-US" altLang="en-US" sz="1800" b="0" i="0" u="none" strike="noStrike" cap="none" normalizeH="0" baseline="0" dirty="0">
+                <a:ln>
+                  <a:noFill/>
+                </a:ln>
+                <a:solidFill>
+                  <a:srgbClr val="A9B7C6"/>
+                </a:solidFill>
+                <a:effectLst/>
+                <a:latin typeface="JetBrains Mono"/>
+              </a:rPr>
+            </a:br>
+            <a:r>
+              <a:rPr kumimoji="0" lang="en-US" altLang="en-US" sz="1800" b="0" i="0" u="none" strike="noStrike" cap="none" normalizeH="0" baseline="0" dirty="0">
+                <a:ln>
+                  <a:noFill/>
+                </a:ln>
+                <a:solidFill>
+                  <a:srgbClr val="A9B7C6"/>
+                </a:solidFill>
+                <a:effectLst/>
+                <a:latin typeface="JetBrains Mono"/>
+              </a:rPr>
+              <a:t>    }</a:t>
+            </a:r>
+            <a:endParaRPr kumimoji="0" lang="en-US" altLang="en-US" sz="1800" b="0" i="0" u="none" strike="noStrike" cap="none" normalizeH="0" baseline="0" dirty="0">
+              <a:ln>
+                <a:noFill/>
+              </a:ln>
+              <a:solidFill>
+                <a:schemeClr val="tx1"/>
+              </a:solidFill>
+              <a:effectLst/>
+              <a:latin typeface="Arial" panose="020B0604020202020204" pitchFamily="34" charset="0"/>
+            </a:endParaRPr>
+          </a:p>
+        </p:txBody>
+      </p:sp>
+      <p:sp>
+        <p:nvSpPr>
+          <p:cNvPr id="11" name="Rectangle 2">
+            <a:extLst>
+              <a:ext uri="{FF2B5EF4-FFF2-40B4-BE49-F238E27FC236}">
+                <a16:creationId xmlns:a16="http://schemas.microsoft.com/office/drawing/2014/main" id="{B7E14764-E0CB-433C-B920-197C858DF99E}"/>
+              </a:ext>
+            </a:extLst>
+          </p:cNvPr>
+          <p:cNvSpPr>
+            <a:spLocks noChangeArrowheads="1"/>
+          </p:cNvSpPr>
+          <p:nvPr/>
+        </p:nvSpPr>
+        <p:spPr bwMode="auto">
+          <a:xfrm>
+            <a:off x="6993110" y="847884"/>
+            <a:ext cx="6824490" cy="2308324"/>
+          </a:xfrm>
+          <a:prstGeom prst="rect">
+            <a:avLst/>
+          </a:prstGeom>
+          <a:solidFill>
+            <a:srgbClr val="2B2B2B"/>
+          </a:solidFill>
+          <a:ln>
+            <a:noFill/>
+          </a:ln>
+          <a:effectLst/>
+          <a:extLst>
+            <a:ext uri="{91240B29-F687-4F45-9708-019B960494DF}">
+              <a14:hiddenLine xmlns:a14="http://schemas.microsoft.com/office/drawing/2010/main" w="9525">
+                <a:solidFill>
+                  <a:schemeClr val="tx1"/>
+                </a:solidFill>
+                <a:miter lim="800000"/>
+                <a:headEnd/>
+                <a:tailEnd/>
+              </a14:hiddenLine>
+            </a:ext>
+            <a:ext uri="{AF507438-7753-43E0-B8FC-AC1667EBCBE1}">
+              <a14:hiddenEffects xmlns:a14="http://schemas.microsoft.com/office/drawing/2010/main">
+                <a:effectLst>
+                  <a:outerShdw dist="35921" dir="2700000" algn="ctr" rotWithShape="0">
+                    <a:schemeClr val="bg2"/>
+                  </a:outerShdw>
+                </a:effectLst>
+              </a14:hiddenEffects>
+            </a:ext>
+          </a:extLst>
+        </p:spPr>
+        <p:txBody>
+          <a:bodyPr vert="horz" wrap="square" lIns="91440" tIns="45720" rIns="91440" bIns="45720" numCol="1" anchor="ctr" anchorCtr="0" compatLnSpc="1">
+            <a:prstTxWarp prst="textNoShape">
+              <a:avLst/>
+            </a:prstTxWarp>
+            <a:spAutoFit/>
+          </a:bodyPr>
+          <a:lstStyle/>
+          <a:p>
+            <a:pPr marL="0" marR="0" lvl="0" indent="0" algn="l" defTabSz="914400" rtl="0" eaLnBrk="0" fontAlgn="base" latinLnBrk="0" hangingPunct="0">
+              <a:lnSpc>
+                <a:spcPct val="100000"/>
+              </a:lnSpc>
+              <a:spcBef>
+                <a:spcPct val="0"/>
+              </a:spcBef>
+              <a:spcAft>
+                <a:spcPct val="0"/>
+              </a:spcAft>
+              <a:buClrTx/>
+              <a:buSzTx/>
+              <a:buFontTx/>
+              <a:buNone/>
+              <a:tabLst/>
+            </a:pPr>
+            <a:r>
+              <a:rPr kumimoji="0" lang="en-US" altLang="en-US" sz="1800" b="0" i="0" u="none" strike="noStrike" cap="none" normalizeH="0" baseline="0" dirty="0">
+                <a:ln>
+                  <a:noFill/>
+                </a:ln>
+                <a:solidFill>
+                  <a:srgbClr val="A9B7C6"/>
+                </a:solidFill>
+                <a:effectLst/>
+                <a:latin typeface="JetBrains Mono"/>
+              </a:rPr>
+              <a:t>    </a:t>
+            </a:r>
+            <a:r>
+              <a:rPr kumimoji="0" lang="en-US" altLang="en-US" sz="1800" b="0" i="0" u="none" strike="noStrike" cap="none" normalizeH="0" baseline="0" dirty="0">
+                <a:ln>
+                  <a:noFill/>
+                </a:ln>
+                <a:solidFill>
+                  <a:srgbClr val="CC7832"/>
+                </a:solidFill>
+                <a:effectLst/>
+                <a:latin typeface="JetBrains Mono"/>
+              </a:rPr>
+              <a:t>public static void </a:t>
+            </a:r>
+            <a:r>
+              <a:rPr kumimoji="0" lang="en-US" altLang="en-US" sz="1800" b="0" i="0" u="none" strike="noStrike" cap="none" normalizeH="0" baseline="0" dirty="0">
+                <a:ln>
+                  <a:noFill/>
+                </a:ln>
+                <a:solidFill>
+                  <a:srgbClr val="FFC66D"/>
+                </a:solidFill>
+                <a:effectLst/>
+                <a:latin typeface="JetBrains Mono"/>
+              </a:rPr>
+              <a:t>main</a:t>
+            </a:r>
+            <a:r>
+              <a:rPr kumimoji="0" lang="en-US" altLang="en-US" sz="1800" b="0" i="0" u="none" strike="noStrike" cap="none" normalizeH="0" baseline="0" dirty="0">
+                <a:ln>
+                  <a:noFill/>
+                </a:ln>
+                <a:solidFill>
+                  <a:srgbClr val="A9B7C6"/>
+                </a:solidFill>
+                <a:effectLst/>
+                <a:latin typeface="JetBrains Mono"/>
+              </a:rPr>
+              <a:t>(String[] </a:t>
+            </a:r>
+            <a:r>
+              <a:rPr kumimoji="0" lang="en-US" altLang="en-US" sz="1800" b="0" i="0" u="none" strike="noStrike" cap="none" normalizeH="0" baseline="0" dirty="0" err="1">
+                <a:ln>
+                  <a:noFill/>
+                </a:ln>
+                <a:solidFill>
+                  <a:srgbClr val="A9B7C6"/>
+                </a:solidFill>
+                <a:effectLst/>
+                <a:latin typeface="JetBrains Mono"/>
+              </a:rPr>
+              <a:t>args</a:t>
+            </a:r>
+            <a:r>
+              <a:rPr kumimoji="0" lang="en-US" altLang="en-US" sz="1800" b="0" i="0" u="none" strike="noStrike" cap="none" normalizeH="0" baseline="0" dirty="0">
+                <a:ln>
+                  <a:noFill/>
+                </a:ln>
+                <a:solidFill>
+                  <a:srgbClr val="A9B7C6"/>
+                </a:solidFill>
+                <a:effectLst/>
+                <a:latin typeface="JetBrains Mono"/>
+              </a:rPr>
+              <a:t>) {</a:t>
+            </a:r>
+            <a:br>
+              <a:rPr kumimoji="0" lang="en-US" altLang="en-US" sz="1800" b="0" i="0" u="none" strike="noStrike" cap="none" normalizeH="0" baseline="0" dirty="0">
+                <a:ln>
+                  <a:noFill/>
+                </a:ln>
+                <a:solidFill>
+                  <a:srgbClr val="A9B7C6"/>
+                </a:solidFill>
+                <a:effectLst/>
+                <a:latin typeface="JetBrains Mono"/>
+              </a:rPr>
+            </a:br>
+            <a:r>
+              <a:rPr kumimoji="0" lang="en-US" altLang="en-US" sz="1800" b="0" i="0" u="none" strike="noStrike" cap="none" normalizeH="0" baseline="0" dirty="0">
+                <a:ln>
+                  <a:noFill/>
+                </a:ln>
+                <a:solidFill>
+                  <a:srgbClr val="A9B7C6"/>
+                </a:solidFill>
+                <a:effectLst/>
+                <a:latin typeface="JetBrains Mono"/>
+              </a:rPr>
+              <a:t>        Scanner </a:t>
+            </a:r>
+            <a:r>
+              <a:rPr kumimoji="0" lang="en-US" altLang="en-US" sz="1800" b="0" i="0" u="none" strike="noStrike" cap="none" normalizeH="0" baseline="0" dirty="0" err="1">
+                <a:ln>
+                  <a:noFill/>
+                </a:ln>
+                <a:solidFill>
+                  <a:srgbClr val="A9B7C6"/>
+                </a:solidFill>
+                <a:effectLst/>
+                <a:latin typeface="JetBrains Mono"/>
+              </a:rPr>
+              <a:t>scnr</a:t>
+            </a:r>
+            <a:r>
+              <a:rPr kumimoji="0" lang="en-US" altLang="en-US" sz="1800" b="0" i="0" u="none" strike="noStrike" cap="none" normalizeH="0" baseline="0" dirty="0">
+                <a:ln>
+                  <a:noFill/>
+                </a:ln>
+                <a:solidFill>
+                  <a:srgbClr val="A9B7C6"/>
+                </a:solidFill>
+                <a:effectLst/>
+                <a:latin typeface="JetBrains Mono"/>
+              </a:rPr>
+              <a:t> = </a:t>
+            </a:r>
+            <a:r>
+              <a:rPr kumimoji="0" lang="en-US" altLang="en-US" sz="1800" b="0" i="0" u="none" strike="noStrike" cap="none" normalizeH="0" baseline="0" dirty="0">
+                <a:ln>
+                  <a:noFill/>
+                </a:ln>
+                <a:solidFill>
+                  <a:srgbClr val="CC7832"/>
+                </a:solidFill>
+                <a:effectLst/>
+                <a:latin typeface="JetBrains Mono"/>
+              </a:rPr>
+              <a:t>new </a:t>
+            </a:r>
+            <a:r>
+              <a:rPr kumimoji="0" lang="en-US" altLang="en-US" sz="1800" b="0" i="0" u="none" strike="noStrike" cap="none" normalizeH="0" baseline="0" dirty="0">
+                <a:ln>
+                  <a:noFill/>
+                </a:ln>
+                <a:solidFill>
+                  <a:srgbClr val="A9B7C6"/>
+                </a:solidFill>
+                <a:effectLst/>
+                <a:latin typeface="JetBrains Mono"/>
+              </a:rPr>
+              <a:t>Scanner(System.</a:t>
+            </a:r>
+            <a:r>
+              <a:rPr kumimoji="0" lang="en-US" altLang="en-US" sz="1800" b="0" i="1" u="none" strike="noStrike" cap="none" normalizeH="0" baseline="0" dirty="0">
+                <a:ln>
+                  <a:noFill/>
+                </a:ln>
+                <a:solidFill>
+                  <a:srgbClr val="9876AA"/>
+                </a:solidFill>
+                <a:effectLst/>
+                <a:latin typeface="JetBrains Mono"/>
+              </a:rPr>
+              <a:t>in</a:t>
+            </a:r>
+            <a:r>
+              <a:rPr kumimoji="0" lang="en-US" altLang="en-US" sz="1800" b="0" i="0" u="none" strike="noStrike" cap="none" normalizeH="0" baseline="0" dirty="0">
+                <a:ln>
+                  <a:noFill/>
+                </a:ln>
+                <a:solidFill>
+                  <a:srgbClr val="A9B7C6"/>
+                </a:solidFill>
+                <a:effectLst/>
+                <a:latin typeface="JetBrains Mono"/>
+              </a:rPr>
+              <a:t>)</a:t>
+            </a:r>
+            <a:r>
+              <a:rPr kumimoji="0" lang="en-US" altLang="en-US" sz="1800" b="0" i="0" u="none" strike="noStrike" cap="none" normalizeH="0" baseline="0" dirty="0">
+                <a:ln>
+                  <a:noFill/>
+                </a:ln>
+                <a:solidFill>
+                  <a:srgbClr val="CC7832"/>
+                </a:solidFill>
+                <a:effectLst/>
+                <a:latin typeface="JetBrains Mono"/>
+              </a:rPr>
+              <a:t>;</a:t>
+            </a:r>
+            <a:br>
+              <a:rPr kumimoji="0" lang="en-US" altLang="en-US" sz="1800" b="0" i="0" u="none" strike="noStrike" cap="none" normalizeH="0" baseline="0" dirty="0">
+                <a:ln>
+                  <a:noFill/>
+                </a:ln>
+                <a:solidFill>
+                  <a:srgbClr val="CC7832"/>
+                </a:solidFill>
+                <a:effectLst/>
+                <a:latin typeface="JetBrains Mono"/>
+              </a:rPr>
+            </a:br>
+            <a:r>
+              <a:rPr kumimoji="0" lang="en-US" altLang="en-US" sz="1800" b="0" i="0" u="none" strike="noStrike" cap="none" normalizeH="0" baseline="0" dirty="0">
+                <a:ln>
+                  <a:noFill/>
+                </a:ln>
+                <a:solidFill>
+                  <a:srgbClr val="CC7832"/>
+                </a:solidFill>
+                <a:effectLst/>
+                <a:latin typeface="JetBrains Mono"/>
+              </a:rPr>
+              <a:t>        int </a:t>
+            </a:r>
+            <a:r>
+              <a:rPr kumimoji="0" lang="en-US" altLang="en-US" sz="1800" b="0" i="0" u="none" strike="noStrike" cap="none" normalizeH="0" baseline="0" dirty="0">
+                <a:ln>
+                  <a:noFill/>
+                </a:ln>
+                <a:solidFill>
+                  <a:srgbClr val="A9B7C6"/>
+                </a:solidFill>
+                <a:effectLst/>
+                <a:latin typeface="JetBrains Mono"/>
+              </a:rPr>
+              <a:t>number</a:t>
+            </a:r>
+            <a:r>
+              <a:rPr kumimoji="0" lang="en-US" altLang="en-US" sz="1800" b="0" i="0" u="none" strike="noStrike" cap="none" normalizeH="0" baseline="0" dirty="0">
+                <a:ln>
+                  <a:noFill/>
+                </a:ln>
+                <a:solidFill>
+                  <a:srgbClr val="CC7832"/>
+                </a:solidFill>
+                <a:effectLst/>
+                <a:latin typeface="JetBrains Mono"/>
+              </a:rPr>
+              <a:t>;</a:t>
+            </a:r>
+            <a:br>
+              <a:rPr kumimoji="0" lang="en-US" altLang="en-US" sz="1800" b="0" i="0" u="none" strike="noStrike" cap="none" normalizeH="0" baseline="0" dirty="0">
+                <a:ln>
+                  <a:noFill/>
+                </a:ln>
+                <a:solidFill>
+                  <a:srgbClr val="CC7832"/>
+                </a:solidFill>
+                <a:effectLst/>
+                <a:latin typeface="JetBrains Mono"/>
+              </a:rPr>
+            </a:br>
+            <a:br>
+              <a:rPr kumimoji="0" lang="en-US" altLang="en-US" sz="1800" b="0" i="0" u="none" strike="noStrike" cap="none" normalizeH="0" baseline="0" dirty="0">
+                <a:ln>
+                  <a:noFill/>
+                </a:ln>
+                <a:solidFill>
+                  <a:srgbClr val="CC7832"/>
+                </a:solidFill>
+                <a:effectLst/>
+                <a:latin typeface="JetBrains Mono"/>
+              </a:rPr>
+            </a:br>
+            <a:r>
+              <a:rPr kumimoji="0" lang="en-US" altLang="en-US" sz="1800" b="0" i="0" u="none" strike="noStrike" cap="none" normalizeH="0" baseline="0" dirty="0">
+                <a:ln>
+                  <a:noFill/>
+                </a:ln>
+                <a:solidFill>
+                  <a:srgbClr val="CC7832"/>
+                </a:solidFill>
+                <a:effectLst/>
+                <a:latin typeface="JetBrains Mono"/>
+              </a:rPr>
+              <a:t>        </a:t>
+            </a:r>
+            <a:r>
+              <a:rPr kumimoji="0" lang="en-US" altLang="en-US" sz="1800" b="0" i="0" u="none" strike="noStrike" cap="none" normalizeH="0" baseline="0" dirty="0">
+                <a:ln>
+                  <a:noFill/>
+                </a:ln>
+                <a:solidFill>
+                  <a:srgbClr val="A9B7C6"/>
+                </a:solidFill>
+                <a:effectLst/>
+                <a:latin typeface="JetBrains Mono"/>
+              </a:rPr>
+              <a:t>number = </a:t>
+            </a:r>
+            <a:r>
+              <a:rPr kumimoji="0" lang="en-US" altLang="en-US" sz="1800" b="0" i="0" u="none" strike="noStrike" cap="none" normalizeH="0" baseline="0" dirty="0" err="1">
+                <a:ln>
+                  <a:noFill/>
+                </a:ln>
+                <a:solidFill>
+                  <a:srgbClr val="A9B7C6"/>
+                </a:solidFill>
+                <a:effectLst/>
+                <a:latin typeface="JetBrains Mono"/>
+              </a:rPr>
+              <a:t>scnr.nextInt</a:t>
+            </a:r>
+            <a:r>
+              <a:rPr kumimoji="0" lang="en-US" altLang="en-US" sz="1800" b="0" i="0" u="none" strike="noStrike" cap="none" normalizeH="0" baseline="0" dirty="0">
+                <a:ln>
+                  <a:noFill/>
+                </a:ln>
+                <a:solidFill>
+                  <a:srgbClr val="A9B7C6"/>
+                </a:solidFill>
+                <a:effectLst/>
+                <a:latin typeface="JetBrains Mono"/>
+              </a:rPr>
+              <a:t>()</a:t>
+            </a:r>
+            <a:r>
+              <a:rPr kumimoji="0" lang="en-US" altLang="en-US" sz="1800" b="0" i="0" u="none" strike="noStrike" cap="none" normalizeH="0" baseline="0" dirty="0">
+                <a:ln>
+                  <a:noFill/>
+                </a:ln>
+                <a:solidFill>
+                  <a:srgbClr val="CC7832"/>
+                </a:solidFill>
+                <a:effectLst/>
+                <a:latin typeface="JetBrains Mono"/>
+              </a:rPr>
+              <a:t>;</a:t>
+            </a:r>
+            <a:br>
+              <a:rPr kumimoji="0" lang="en-US" altLang="en-US" sz="1800" b="0" i="0" u="none" strike="noStrike" cap="none" normalizeH="0" baseline="0" dirty="0">
+                <a:ln>
+                  <a:noFill/>
+                </a:ln>
+                <a:solidFill>
+                  <a:srgbClr val="CC7832"/>
+                </a:solidFill>
+                <a:effectLst/>
+                <a:latin typeface="JetBrains Mono"/>
+              </a:rPr>
+            </a:br>
+            <a:r>
+              <a:rPr kumimoji="0" lang="en-US" altLang="en-US" sz="1800" b="0" i="0" u="none" strike="noStrike" cap="none" normalizeH="0" baseline="0" dirty="0">
+                <a:ln>
+                  <a:noFill/>
+                </a:ln>
+                <a:solidFill>
+                  <a:srgbClr val="CC7832"/>
+                </a:solidFill>
+                <a:effectLst/>
+                <a:latin typeface="JetBrains Mono"/>
+              </a:rPr>
+              <a:t>        </a:t>
+            </a:r>
+            <a:r>
+              <a:rPr kumimoji="0" lang="en-US" altLang="en-US" sz="1800" b="0" i="1" u="none" strike="noStrike" cap="none" normalizeH="0" baseline="0" dirty="0" err="1">
+                <a:ln>
+                  <a:noFill/>
+                </a:ln>
+                <a:solidFill>
+                  <a:srgbClr val="A9B7C6"/>
+                </a:solidFill>
+                <a:effectLst/>
+                <a:latin typeface="JetBrains Mono"/>
+              </a:rPr>
+              <a:t>recursiveCall</a:t>
+            </a:r>
+            <a:r>
+              <a:rPr kumimoji="0" lang="en-US" altLang="en-US" sz="1800" b="0" i="0" u="none" strike="noStrike" cap="none" normalizeH="0" baseline="0" dirty="0">
+                <a:ln>
+                  <a:noFill/>
+                </a:ln>
+                <a:solidFill>
+                  <a:srgbClr val="A9B7C6"/>
+                </a:solidFill>
+                <a:effectLst/>
+                <a:latin typeface="JetBrains Mono"/>
+              </a:rPr>
+              <a:t>(number</a:t>
+            </a:r>
+            <a:r>
+              <a:rPr kumimoji="0" lang="en-US" altLang="en-US" sz="1800" b="0" i="0" u="none" strike="noStrike" cap="none" normalizeH="0" baseline="0" dirty="0">
+                <a:ln>
+                  <a:noFill/>
+                </a:ln>
+                <a:solidFill>
+                  <a:srgbClr val="CC7832"/>
+                </a:solidFill>
+                <a:effectLst/>
+                <a:latin typeface="JetBrains Mono"/>
+              </a:rPr>
+              <a:t>, </a:t>
+            </a:r>
+            <a:r>
+              <a:rPr kumimoji="0" lang="en-US" altLang="en-US" sz="1800" b="0" i="0" u="none" strike="noStrike" cap="none" normalizeH="0" baseline="0" dirty="0">
+                <a:ln>
+                  <a:noFill/>
+                </a:ln>
+                <a:solidFill>
+                  <a:srgbClr val="6897BB"/>
+                </a:solidFill>
+                <a:effectLst/>
+                <a:latin typeface="JetBrains Mono"/>
+              </a:rPr>
+              <a:t>0</a:t>
+            </a:r>
+            <a:r>
+              <a:rPr kumimoji="0" lang="en-US" altLang="en-US" sz="1800" b="0" i="0" u="none" strike="noStrike" cap="none" normalizeH="0" baseline="0" dirty="0">
+                <a:ln>
+                  <a:noFill/>
+                </a:ln>
+                <a:solidFill>
+                  <a:srgbClr val="CC7832"/>
+                </a:solidFill>
+                <a:effectLst/>
+                <a:latin typeface="JetBrains Mono"/>
+              </a:rPr>
+              <a:t>, </a:t>
+            </a:r>
+            <a:r>
+              <a:rPr kumimoji="0" lang="en-US" altLang="en-US" sz="1800" b="0" i="0" u="none" strike="noStrike" cap="none" normalizeH="0" baseline="0" dirty="0">
+                <a:ln>
+                  <a:noFill/>
+                </a:ln>
+                <a:solidFill>
+                  <a:srgbClr val="6897BB"/>
+                </a:solidFill>
+                <a:effectLst/>
+                <a:latin typeface="JetBrains Mono"/>
+              </a:rPr>
+              <a:t>10</a:t>
+            </a:r>
+            <a:r>
+              <a:rPr kumimoji="0" lang="en-US" altLang="en-US" sz="1800" b="0" i="0" u="none" strike="noStrike" cap="none" normalizeH="0" baseline="0" dirty="0">
+                <a:ln>
+                  <a:noFill/>
+                </a:ln>
+                <a:solidFill>
+                  <a:srgbClr val="A9B7C6"/>
+                </a:solidFill>
+                <a:effectLst/>
+                <a:latin typeface="JetBrains Mono"/>
+              </a:rPr>
+              <a:t>)</a:t>
+            </a:r>
+            <a:r>
+              <a:rPr kumimoji="0" lang="en-US" altLang="en-US" sz="1800" b="0" i="0" u="none" strike="noStrike" cap="none" normalizeH="0" baseline="0" dirty="0">
+                <a:ln>
+                  <a:noFill/>
+                </a:ln>
+                <a:solidFill>
+                  <a:srgbClr val="CC7832"/>
+                </a:solidFill>
+                <a:effectLst/>
+                <a:latin typeface="JetBrains Mono"/>
+              </a:rPr>
+              <a:t>;</a:t>
+            </a:r>
+            <a:br>
+              <a:rPr kumimoji="0" lang="en-US" altLang="en-US" sz="1800" b="0" i="0" u="none" strike="noStrike" cap="none" normalizeH="0" baseline="0" dirty="0">
+                <a:ln>
+                  <a:noFill/>
+                </a:ln>
+                <a:solidFill>
+                  <a:srgbClr val="CC7832"/>
+                </a:solidFill>
+                <a:effectLst/>
+                <a:latin typeface="JetBrains Mono"/>
+              </a:rPr>
+            </a:br>
+            <a:r>
+              <a:rPr kumimoji="0" lang="en-US" altLang="en-US" sz="1800" b="0" i="0" u="none" strike="noStrike" cap="none" normalizeH="0" baseline="0" dirty="0">
+                <a:ln>
+                  <a:noFill/>
+                </a:ln>
+                <a:solidFill>
+                  <a:srgbClr val="CC7832"/>
+                </a:solidFill>
+                <a:effectLst/>
+                <a:latin typeface="JetBrains Mono"/>
+              </a:rPr>
+              <a:t>    </a:t>
+            </a:r>
+            <a:r>
+              <a:rPr kumimoji="0" lang="en-US" altLang="en-US" sz="1800" b="0" i="0" u="none" strike="noStrike" cap="none" normalizeH="0" baseline="0" dirty="0">
+                <a:ln>
+                  <a:noFill/>
+                </a:ln>
+                <a:solidFill>
+                  <a:srgbClr val="A9B7C6"/>
+                </a:solidFill>
+                <a:effectLst/>
+                <a:latin typeface="JetBrains Mono"/>
+              </a:rPr>
+              <a:t>}</a:t>
+            </a:r>
+            <a:br>
+              <a:rPr kumimoji="0" lang="en-US" altLang="en-US" sz="1800" b="0" i="0" u="none" strike="noStrike" cap="none" normalizeH="0" baseline="0" dirty="0">
+                <a:ln>
+                  <a:noFill/>
+                </a:ln>
+                <a:solidFill>
+                  <a:srgbClr val="A9B7C6"/>
+                </a:solidFill>
+                <a:effectLst/>
+                <a:latin typeface="JetBrains Mono"/>
+              </a:rPr>
+            </a:br>
+            <a:r>
+              <a:rPr kumimoji="0" lang="en-US" altLang="en-US" sz="1800" b="0" i="0" u="none" strike="noStrike" cap="none" normalizeH="0" baseline="0" dirty="0">
+                <a:ln>
+                  <a:noFill/>
+                </a:ln>
+                <a:solidFill>
+                  <a:srgbClr val="A9B7C6"/>
+                </a:solidFill>
+                <a:effectLst/>
+                <a:latin typeface="JetBrains Mono"/>
+              </a:rPr>
+              <a:t>}</a:t>
+            </a:r>
+            <a:endParaRPr kumimoji="0" lang="en-US" altLang="en-US" sz="1800" b="0" i="0" u="none" strike="noStrike" cap="none" normalizeH="0" baseline="0" dirty="0">
+              <a:ln>
+                <a:noFill/>
+              </a:ln>
+              <a:solidFill>
+                <a:schemeClr val="tx1"/>
+              </a:solidFill>
+              <a:effectLst/>
+              <a:latin typeface="Arial" panose="020B0604020202020204" pitchFamily="34" charset="0"/>
+            </a:endParaRPr>
+          </a:p>
+        </p:txBody>
+      </p:sp>
+    </p:spTree>
+    <p:extLst>
+      <p:ext uri="{BB962C8B-B14F-4D97-AF65-F5344CB8AC3E}">
+        <p14:creationId xmlns:p14="http://schemas.microsoft.com/office/powerpoint/2010/main" val="1725307835"/>
+      </p:ext>
+    </p:extLst>
+  </p:cSld>
+  <p:clrMapOvr>
+    <a:masterClrMapping/>
+  </p:clrMapOvr>
+  <mc:AlternateContent xmlns:mc="http://schemas.openxmlformats.org/markup-compatibility/2006" xmlns:p14="http://schemas.microsoft.com/office/powerpoint/2010/main">
+    <mc:Choice Requires="p14">
+      <p:transition p14:dur="300">
+        <p:fade/>
+      </p:transition>
+    </mc:Choice>
+    <mc:Fallback xmlns="">
+      <p:transition>
+        <p:fade/>
+      </p:transition>
+    </mc:Fallback>
+  </mc:AlternateContent>
+</p:sld>
+</file>
+
+<file path=ppt/slides/slide3.xml><?xml version="1.0" encoding="utf-8"?>
+<p:sld xmlns:a="http://schemas.openxmlformats.org/drawingml/2006/main" xmlns:r="http://schemas.openxmlformats.org/officeDocument/2006/relationships" xmlns:p="http://schemas.openxmlformats.org/presentationml/2006/main">
+  <p:cSld>
+    <p:spTree>
+      <p:nvGrpSpPr>
+        <p:cNvPr id="1" name=""/>
+        <p:cNvGrpSpPr/>
+        <p:nvPr/>
+      </p:nvGrpSpPr>
+      <p:grpSpPr>
+        <a:xfrm>
+          <a:off x="0" y="0"/>
+          <a:ext cx="0" cy="0"/>
+          <a:chOff x="0" y="0"/>
+          <a:chExt cx="0" cy="0"/>
+        </a:xfrm>
+      </p:grpSpPr>
+      <p:sp>
+        <p:nvSpPr>
+          <p:cNvPr id="4" name="Title 3">
+            <a:extLst>
+              <a:ext uri="{FF2B5EF4-FFF2-40B4-BE49-F238E27FC236}">
+                <a16:creationId xmlns:a16="http://schemas.microsoft.com/office/drawing/2014/main" id="{12BA5B84-1638-5244-9FFD-57A46E238EFA}"/>
+              </a:ext>
+            </a:extLst>
+          </p:cNvPr>
+          <p:cNvSpPr>
+            <a:spLocks noGrp="1"/>
+          </p:cNvSpPr>
+          <p:nvPr>
+            <p:ph type="title"/>
+          </p:nvPr>
+        </p:nvSpPr>
         <p:spPr/>
         <p:txBody>
           <a:bodyPr/>
@@ -7579,7 +10366,7 @@
 </p:sld>
 </file>
 
-<file path=ppt/slides/slide3.xml><?xml version="1.0" encoding="utf-8"?>
+<file path=ppt/slides/slide4.xml><?xml version="1.0" encoding="utf-8"?>
 <p:sld xmlns:a="http://schemas.openxmlformats.org/drawingml/2006/main" xmlns:r="http://schemas.openxmlformats.org/officeDocument/2006/relationships" xmlns:p="http://schemas.openxmlformats.org/presentationml/2006/main">
   <p:cSld>
     <p:spTree>
@@ -9827,7 +12614,7 @@
 </p:sld>
 </file>
 
-<file path=ppt/slides/slide4.xml><?xml version="1.0" encoding="utf-8"?>
+<file path=ppt/slides/slide5.xml><?xml version="1.0" encoding="utf-8"?>
 <p:sld xmlns:a="http://schemas.openxmlformats.org/drawingml/2006/main" xmlns:r="http://schemas.openxmlformats.org/officeDocument/2006/relationships" xmlns:p="http://schemas.openxmlformats.org/presentationml/2006/main">
   <p:cSld>
     <p:spTree>
@@ -11568,7 +14355,7 @@
 </p:sld>
 </file>
 
-<file path=ppt/slides/slide5.xml><?xml version="1.0" encoding="utf-8"?>
+<file path=ppt/slides/slide6.xml><?xml version="1.0" encoding="utf-8"?>
 <p:sld xmlns:a="http://schemas.openxmlformats.org/drawingml/2006/main" xmlns:r="http://schemas.openxmlformats.org/officeDocument/2006/relationships" xmlns:p="http://schemas.openxmlformats.org/presentationml/2006/main">
   <p:cSld>
     <p:spTree>
@@ -11692,6 +14479,641 @@
     <p:extLst>
       <p:ext uri="{BB962C8B-B14F-4D97-AF65-F5344CB8AC3E}">
         <p14:creationId xmlns:p14="http://schemas.microsoft.com/office/powerpoint/2010/main" val="216470046"/>
+      </p:ext>
+    </p:extLst>
+  </p:cSld>
+  <p:clrMapOvr>
+    <a:masterClrMapping/>
+  </p:clrMapOvr>
+  <mc:AlternateContent xmlns:mc="http://schemas.openxmlformats.org/markup-compatibility/2006" xmlns:p14="http://schemas.microsoft.com/office/powerpoint/2010/main">
+    <mc:Choice Requires="p14">
+      <p:transition p14:dur="300">
+        <p:fade/>
+      </p:transition>
+    </mc:Choice>
+    <mc:Fallback xmlns="">
+      <p:transition>
+        <p:fade/>
+      </p:transition>
+    </mc:Fallback>
+  </mc:AlternateContent>
+</p:sld>
+</file>
+
+<file path=ppt/slides/slide7.xml><?xml version="1.0" encoding="utf-8"?>
+<p:sld xmlns:a="http://schemas.openxmlformats.org/drawingml/2006/main" xmlns:r="http://schemas.openxmlformats.org/officeDocument/2006/relationships" xmlns:p="http://schemas.openxmlformats.org/presentationml/2006/main">
+  <p:cSld>
+    <p:spTree>
+      <p:nvGrpSpPr>
+        <p:cNvPr id="1" name=""/>
+        <p:cNvGrpSpPr/>
+        <p:nvPr/>
+      </p:nvGrpSpPr>
+      <p:grpSpPr>
+        <a:xfrm>
+          <a:off x="0" y="0"/>
+          <a:ext cx="0" cy="0"/>
+          <a:chOff x="0" y="0"/>
+          <a:chExt cx="0" cy="0"/>
+        </a:xfrm>
+      </p:grpSpPr>
+      <p:sp>
+        <p:nvSpPr>
+          <p:cNvPr id="2" name="Title 1">
+            <a:extLst>
+              <a:ext uri="{FF2B5EF4-FFF2-40B4-BE49-F238E27FC236}">
+                <a16:creationId xmlns:a16="http://schemas.microsoft.com/office/drawing/2014/main" id="{3BD1F6C7-A6A1-EA40-95A5-49F0F4685C81}"/>
+              </a:ext>
+            </a:extLst>
+          </p:cNvPr>
+          <p:cNvSpPr>
+            <a:spLocks noGrp="1"/>
+          </p:cNvSpPr>
+          <p:nvPr>
+            <p:ph type="title"/>
+          </p:nvPr>
+        </p:nvSpPr>
+        <p:spPr/>
+        <p:txBody>
+          <a:bodyPr/>
+          <a:lstStyle/>
+          <a:p>
+            <a:r>
+              <a:rPr lang="en-US" dirty="0"/>
+              <a:t>Practice 1</a:t>
+            </a:r>
+          </a:p>
+        </p:txBody>
+      </p:sp>
+      <p:sp>
+        <p:nvSpPr>
+          <p:cNvPr id="3" name="Text Placeholder 2">
+            <a:extLst>
+              <a:ext uri="{FF2B5EF4-FFF2-40B4-BE49-F238E27FC236}">
+                <a16:creationId xmlns:a16="http://schemas.microsoft.com/office/drawing/2014/main" id="{20275C6A-A900-BF4E-B253-6445E559FBAD}"/>
+              </a:ext>
+            </a:extLst>
+          </p:cNvPr>
+          <p:cNvSpPr>
+            <a:spLocks noGrp="1"/>
+          </p:cNvSpPr>
+          <p:nvPr>
+            <p:ph type="body" sz="quarter" idx="10"/>
+          </p:nvPr>
+        </p:nvSpPr>
+        <p:spPr>
+          <a:xfrm>
+            <a:off x="628075" y="1776683"/>
+            <a:ext cx="12561453" cy="4476354"/>
+          </a:xfrm>
+        </p:spPr>
+        <p:txBody>
+          <a:bodyPr/>
+          <a:lstStyle/>
+          <a:p>
+            <a:r>
+              <a:rPr lang="en-US" dirty="0"/>
+              <a:t>How can we change the </a:t>
+            </a:r>
+            <a:r>
+              <a:rPr lang="en-US" dirty="0" err="1"/>
+              <a:t>stringManipulator</a:t>
+            </a:r>
+            <a:r>
+              <a:rPr lang="en-US" dirty="0"/>
+              <a:t> method to reverse the string backwards, meaning that we start from the end instead of the begin?</a:t>
+            </a:r>
+          </a:p>
+          <a:p>
+            <a:endParaRPr lang="en-US" dirty="0"/>
+          </a:p>
+          <a:p>
+            <a:endParaRPr lang="en-US" dirty="0"/>
+          </a:p>
+          <a:p>
+            <a:endParaRPr lang="en-US" dirty="0"/>
+          </a:p>
+          <a:p>
+            <a:endParaRPr lang="en-US" dirty="0"/>
+          </a:p>
+          <a:p>
+            <a:r>
+              <a:rPr lang="en-US" dirty="0"/>
+              <a:t>Remember to think about:</a:t>
+            </a:r>
+          </a:p>
+          <a:p>
+            <a:pPr lvl="1"/>
+            <a:r>
+              <a:rPr lang="en-US" dirty="0"/>
+              <a:t>base case (condition to stop)</a:t>
+            </a:r>
+          </a:p>
+          <a:p>
+            <a:pPr lvl="1"/>
+            <a:r>
+              <a:rPr lang="en-US" dirty="0"/>
+              <a:t>recursive call</a:t>
+            </a:r>
+          </a:p>
+          <a:p>
+            <a:endParaRPr lang="en-US" dirty="0"/>
+          </a:p>
+        </p:txBody>
+      </p:sp>
+      <p:sp>
+        <p:nvSpPr>
+          <p:cNvPr id="4" name="Rectangle 3">
+            <a:extLst>
+              <a:ext uri="{FF2B5EF4-FFF2-40B4-BE49-F238E27FC236}">
+                <a16:creationId xmlns:a16="http://schemas.microsoft.com/office/drawing/2014/main" id="{4B4AC83F-F28B-4761-9C16-4DE64DA92826}"/>
+              </a:ext>
+            </a:extLst>
+          </p:cNvPr>
+          <p:cNvSpPr/>
+          <p:nvPr/>
+        </p:nvSpPr>
+        <p:spPr>
+          <a:xfrm>
+            <a:off x="1276694" y="2903457"/>
+            <a:ext cx="7326490" cy="1077218"/>
+          </a:xfrm>
+          <a:prstGeom prst="rect">
+            <a:avLst/>
+          </a:prstGeom>
+          <a:ln>
+            <a:solidFill>
+              <a:schemeClr val="tx1"/>
+            </a:solidFill>
+          </a:ln>
+        </p:spPr>
+        <p:txBody>
+          <a:bodyPr wrap="square">
+            <a:spAutoFit/>
+          </a:bodyPr>
+          <a:lstStyle/>
+          <a:p>
+            <a:r>
+              <a:rPr lang="en-US" sz="1600" dirty="0">
+                <a:solidFill>
+                  <a:srgbClr val="CC7832"/>
+                </a:solidFill>
+                <a:latin typeface="Consolas" panose="020B0609020204030204" pitchFamily="49" charset="0"/>
+                <a:cs typeface="Consolas" panose="020B0609020204030204" pitchFamily="49" charset="0"/>
+              </a:rPr>
+              <a:t>public static </a:t>
+            </a:r>
+            <a:r>
+              <a:rPr lang="en-US" sz="1600" dirty="0">
+                <a:latin typeface="Consolas" panose="020B0609020204030204" pitchFamily="49" charset="0"/>
+                <a:cs typeface="Consolas" panose="020B0609020204030204" pitchFamily="49" charset="0"/>
+              </a:rPr>
+              <a:t>String </a:t>
+            </a:r>
+            <a:r>
+              <a:rPr lang="en-US" sz="1600" dirty="0" err="1">
+                <a:solidFill>
+                  <a:srgbClr val="FFC66D"/>
+                </a:solidFill>
+                <a:latin typeface="Consolas" panose="020B0609020204030204" pitchFamily="49" charset="0"/>
+                <a:cs typeface="Consolas" panose="020B0609020204030204" pitchFamily="49" charset="0"/>
+              </a:rPr>
+              <a:t>stringManipulator</a:t>
+            </a:r>
+            <a:r>
+              <a:rPr lang="en-US" sz="1600" dirty="0">
+                <a:latin typeface="Consolas" panose="020B0609020204030204" pitchFamily="49" charset="0"/>
+                <a:cs typeface="Consolas" panose="020B0609020204030204" pitchFamily="49" charset="0"/>
+              </a:rPr>
+              <a:t>(String str) {</a:t>
+            </a:r>
+            <a:br>
+              <a:rPr lang="en-US" sz="1600" dirty="0">
+                <a:latin typeface="Consolas" panose="020B0609020204030204" pitchFamily="49" charset="0"/>
+                <a:cs typeface="Consolas" panose="020B0609020204030204" pitchFamily="49" charset="0"/>
+              </a:rPr>
+            </a:br>
+            <a:r>
+              <a:rPr lang="en-US" sz="1600" dirty="0">
+                <a:latin typeface="Consolas" panose="020B0609020204030204" pitchFamily="49" charset="0"/>
+                <a:cs typeface="Consolas" panose="020B0609020204030204" pitchFamily="49" charset="0"/>
+              </a:rPr>
+              <a:t>    </a:t>
+            </a:r>
+            <a:r>
+              <a:rPr lang="en-US" sz="1600" dirty="0">
+                <a:solidFill>
+                  <a:srgbClr val="CC7832"/>
+                </a:solidFill>
+                <a:latin typeface="Consolas" panose="020B0609020204030204" pitchFamily="49" charset="0"/>
+                <a:cs typeface="Consolas" panose="020B0609020204030204" pitchFamily="49" charset="0"/>
+              </a:rPr>
+              <a:t>if </a:t>
+            </a:r>
+            <a:r>
+              <a:rPr lang="en-US" sz="1600" dirty="0">
+                <a:latin typeface="Consolas" panose="020B0609020204030204" pitchFamily="49" charset="0"/>
+                <a:cs typeface="Consolas" panose="020B0609020204030204" pitchFamily="49" charset="0"/>
+              </a:rPr>
+              <a:t>(</a:t>
+            </a:r>
+            <a:r>
+              <a:rPr lang="en-US" sz="1600" dirty="0" err="1">
+                <a:latin typeface="Consolas" panose="020B0609020204030204" pitchFamily="49" charset="0"/>
+                <a:cs typeface="Consolas" panose="020B0609020204030204" pitchFamily="49" charset="0"/>
+              </a:rPr>
+              <a:t>str.isEmpty</a:t>
+            </a:r>
+            <a:r>
+              <a:rPr lang="en-US" sz="1600" dirty="0">
+                <a:latin typeface="Consolas" panose="020B0609020204030204" pitchFamily="49" charset="0"/>
+                <a:cs typeface="Consolas" panose="020B0609020204030204" pitchFamily="49" charset="0"/>
+              </a:rPr>
+              <a:t>()) </a:t>
+            </a:r>
+            <a:r>
+              <a:rPr lang="en-US" sz="1600" dirty="0">
+                <a:solidFill>
+                  <a:srgbClr val="CC7832"/>
+                </a:solidFill>
+                <a:latin typeface="Consolas" panose="020B0609020204030204" pitchFamily="49" charset="0"/>
+                <a:cs typeface="Consolas" panose="020B0609020204030204" pitchFamily="49" charset="0"/>
+              </a:rPr>
+              <a:t>return </a:t>
+            </a:r>
+            <a:r>
+              <a:rPr lang="en-US" sz="1600" dirty="0">
+                <a:latin typeface="Consolas" panose="020B0609020204030204" pitchFamily="49" charset="0"/>
+                <a:cs typeface="Consolas" panose="020B0609020204030204" pitchFamily="49" charset="0"/>
+              </a:rPr>
+              <a:t>str</a:t>
+            </a:r>
+            <a:r>
+              <a:rPr lang="en-US" sz="1600" dirty="0">
+                <a:solidFill>
+                  <a:srgbClr val="CC7832"/>
+                </a:solidFill>
+                <a:latin typeface="Consolas" panose="020B0609020204030204" pitchFamily="49" charset="0"/>
+                <a:cs typeface="Consolas" panose="020B0609020204030204" pitchFamily="49" charset="0"/>
+              </a:rPr>
+              <a:t>;</a:t>
+            </a:r>
+            <a:br>
+              <a:rPr lang="en-US" sz="1600" dirty="0">
+                <a:solidFill>
+                  <a:srgbClr val="CC7832"/>
+                </a:solidFill>
+                <a:latin typeface="Consolas" panose="020B0609020204030204" pitchFamily="49" charset="0"/>
+                <a:cs typeface="Consolas" panose="020B0609020204030204" pitchFamily="49" charset="0"/>
+              </a:rPr>
+            </a:br>
+            <a:r>
+              <a:rPr lang="en-US" sz="1600" dirty="0">
+                <a:solidFill>
+                  <a:srgbClr val="CC7832"/>
+                </a:solidFill>
+                <a:latin typeface="Consolas" panose="020B0609020204030204" pitchFamily="49" charset="0"/>
+                <a:cs typeface="Consolas" panose="020B0609020204030204" pitchFamily="49" charset="0"/>
+              </a:rPr>
+              <a:t>    return </a:t>
+            </a:r>
+            <a:r>
+              <a:rPr lang="en-US" sz="1600" i="1" dirty="0" err="1">
+                <a:latin typeface="Consolas" panose="020B0609020204030204" pitchFamily="49" charset="0"/>
+                <a:cs typeface="Consolas" panose="020B0609020204030204" pitchFamily="49" charset="0"/>
+              </a:rPr>
+              <a:t>stringManipulator</a:t>
+            </a:r>
+            <a:r>
+              <a:rPr lang="en-US" sz="1600" dirty="0">
+                <a:latin typeface="Consolas" panose="020B0609020204030204" pitchFamily="49" charset="0"/>
+                <a:cs typeface="Consolas" panose="020B0609020204030204" pitchFamily="49" charset="0"/>
+              </a:rPr>
+              <a:t>(</a:t>
+            </a:r>
+            <a:r>
+              <a:rPr lang="en-US" sz="1600" dirty="0" err="1">
+                <a:latin typeface="Consolas" panose="020B0609020204030204" pitchFamily="49" charset="0"/>
+                <a:cs typeface="Consolas" panose="020B0609020204030204" pitchFamily="49" charset="0"/>
+              </a:rPr>
+              <a:t>str.substring</a:t>
+            </a:r>
+            <a:r>
+              <a:rPr lang="en-US" sz="1600" dirty="0">
+                <a:latin typeface="Consolas" panose="020B0609020204030204" pitchFamily="49" charset="0"/>
+                <a:cs typeface="Consolas" panose="020B0609020204030204" pitchFamily="49" charset="0"/>
+              </a:rPr>
+              <a:t>(</a:t>
+            </a:r>
+            <a:r>
+              <a:rPr lang="en-US" sz="1600" dirty="0">
+                <a:solidFill>
+                  <a:srgbClr val="6897BB"/>
+                </a:solidFill>
+                <a:latin typeface="Consolas" panose="020B0609020204030204" pitchFamily="49" charset="0"/>
+                <a:cs typeface="Consolas" panose="020B0609020204030204" pitchFamily="49" charset="0"/>
+              </a:rPr>
+              <a:t>1</a:t>
+            </a:r>
+            <a:r>
+              <a:rPr lang="en-US" sz="1600" dirty="0">
+                <a:latin typeface="Consolas" panose="020B0609020204030204" pitchFamily="49" charset="0"/>
+                <a:cs typeface="Consolas" panose="020B0609020204030204" pitchFamily="49" charset="0"/>
+              </a:rPr>
+              <a:t>)) + </a:t>
+            </a:r>
+            <a:r>
+              <a:rPr lang="en-US" sz="1600" dirty="0" err="1">
+                <a:latin typeface="Consolas" panose="020B0609020204030204" pitchFamily="49" charset="0"/>
+                <a:cs typeface="Consolas" panose="020B0609020204030204" pitchFamily="49" charset="0"/>
+              </a:rPr>
+              <a:t>str.charAt</a:t>
+            </a:r>
+            <a:r>
+              <a:rPr lang="en-US" sz="1600" dirty="0">
+                <a:latin typeface="Consolas" panose="020B0609020204030204" pitchFamily="49" charset="0"/>
+                <a:cs typeface="Consolas" panose="020B0609020204030204" pitchFamily="49" charset="0"/>
+              </a:rPr>
+              <a:t>(</a:t>
+            </a:r>
+            <a:r>
+              <a:rPr lang="en-US" sz="1600" dirty="0">
+                <a:solidFill>
+                  <a:srgbClr val="6897BB"/>
+                </a:solidFill>
+                <a:latin typeface="Consolas" panose="020B0609020204030204" pitchFamily="49" charset="0"/>
+                <a:cs typeface="Consolas" panose="020B0609020204030204" pitchFamily="49" charset="0"/>
+              </a:rPr>
+              <a:t>0</a:t>
+            </a:r>
+            <a:r>
+              <a:rPr lang="en-US" sz="1600" dirty="0">
+                <a:latin typeface="Consolas" panose="020B0609020204030204" pitchFamily="49" charset="0"/>
+                <a:cs typeface="Consolas" panose="020B0609020204030204" pitchFamily="49" charset="0"/>
+              </a:rPr>
+              <a:t>)</a:t>
+            </a:r>
+            <a:r>
+              <a:rPr lang="en-US" sz="1600" dirty="0">
+                <a:solidFill>
+                  <a:srgbClr val="CC7832"/>
+                </a:solidFill>
+                <a:latin typeface="Consolas" panose="020B0609020204030204" pitchFamily="49" charset="0"/>
+                <a:cs typeface="Consolas" panose="020B0609020204030204" pitchFamily="49" charset="0"/>
+              </a:rPr>
+              <a:t>;</a:t>
+            </a:r>
+            <a:br>
+              <a:rPr lang="en-US" sz="1600" dirty="0">
+                <a:solidFill>
+                  <a:srgbClr val="CC7832"/>
+                </a:solidFill>
+                <a:latin typeface="Consolas" panose="020B0609020204030204" pitchFamily="49" charset="0"/>
+                <a:cs typeface="Consolas" panose="020B0609020204030204" pitchFamily="49" charset="0"/>
+              </a:rPr>
+            </a:br>
+            <a:r>
+              <a:rPr lang="en-US" sz="1600" dirty="0">
+                <a:latin typeface="Consolas" panose="020B0609020204030204" pitchFamily="49" charset="0"/>
+                <a:cs typeface="Consolas" panose="020B0609020204030204" pitchFamily="49" charset="0"/>
+              </a:rPr>
+              <a:t>}</a:t>
+            </a:r>
+          </a:p>
+        </p:txBody>
+      </p:sp>
+    </p:spTree>
+    <p:extLst>
+      <p:ext uri="{BB962C8B-B14F-4D97-AF65-F5344CB8AC3E}">
+        <p14:creationId xmlns:p14="http://schemas.microsoft.com/office/powerpoint/2010/main" val="2303186239"/>
+      </p:ext>
+    </p:extLst>
+  </p:cSld>
+  <p:clrMapOvr>
+    <a:masterClrMapping/>
+  </p:clrMapOvr>
+  <mc:AlternateContent xmlns:mc="http://schemas.openxmlformats.org/markup-compatibility/2006" xmlns:p14="http://schemas.microsoft.com/office/powerpoint/2010/main">
+    <mc:Choice Requires="p14">
+      <p:transition p14:dur="300">
+        <p:fade/>
+      </p:transition>
+    </mc:Choice>
+    <mc:Fallback xmlns="">
+      <p:transition>
+        <p:fade/>
+      </p:transition>
+    </mc:Fallback>
+  </mc:AlternateContent>
+  <p:timing>
+    <p:tnLst>
+      <p:par>
+        <p:cTn id="1" dur="indefinite" restart="never" nodeType="tmRoot">
+          <p:childTnLst>
+            <p:seq concurrent="1" nextAc="seek">
+              <p:cTn id="2" dur="indefinite" nodeType="mainSeq">
+                <p:childTnLst>
+                  <p:par>
+                    <p:cTn id="3" fill="hold">
+                      <p:stCondLst>
+                        <p:cond delay="indefinite"/>
+                        <p:cond evt="onBegin" delay="0">
+                          <p:tn val="2"/>
+                        </p:cond>
+                      </p:stCondLst>
+                      <p:childTnLst>
+                        <p:par>
+                          <p:cTn id="4" fill="hold">
+                            <p:stCondLst>
+                              <p:cond delay="0"/>
+                            </p:stCondLst>
+                            <p:childTnLst>
+                              <p:par>
+                                <p:cTn id="5" presetID="9" presetClass="entr" presetSubtype="0" fill="hold" grpId="0" nodeType="withEffect">
+                                  <p:stCondLst>
+                                    <p:cond delay="0"/>
+                                  </p:stCondLst>
+                                  <p:childTnLst>
+                                    <p:set>
+                                      <p:cBhvr>
+                                        <p:cTn id="6" dur="1" fill="hold">
+                                          <p:stCondLst>
+                                            <p:cond delay="0"/>
+                                          </p:stCondLst>
+                                        </p:cTn>
+                                        <p:tgtEl>
+                                          <p:spTgt spid="4"/>
+                                        </p:tgtEl>
+                                        <p:attrNameLst>
+                                          <p:attrName>style.visibility</p:attrName>
+                                        </p:attrNameLst>
+                                      </p:cBhvr>
+                                      <p:to>
+                                        <p:strVal val="visible"/>
+                                      </p:to>
+                                    </p:set>
+                                    <p:animEffect transition="in" filter="dissolve">
+                                      <p:cBhvr>
+                                        <p:cTn id="7" dur="500"/>
+                                        <p:tgtEl>
+                                          <p:spTgt spid="4"/>
+                                        </p:tgtEl>
+                                      </p:cBhvr>
+                                    </p:animEffect>
+                                  </p:childTnLst>
+                                </p:cTn>
+                              </p:par>
+                            </p:childTnLst>
+                          </p:cTn>
+                        </p:par>
+                      </p:childTnLst>
+                    </p:cTn>
+                  </p:par>
+                </p:childTnLst>
+              </p:cTn>
+              <p:prevCondLst>
+                <p:cond evt="onPrev" delay="0">
+                  <p:tgtEl>
+                    <p:sldTgt/>
+                  </p:tgtEl>
+                </p:cond>
+              </p:prevCondLst>
+              <p:nextCondLst>
+                <p:cond evt="onNext" delay="0">
+                  <p:tgtEl>
+                    <p:sldTgt/>
+                  </p:tgtEl>
+                </p:cond>
+              </p:nextCondLst>
+            </p:seq>
+          </p:childTnLst>
+        </p:cTn>
+      </p:par>
+    </p:tnLst>
+    <p:bldLst>
+      <p:bldP spid="4" grpId="0" animBg="1"/>
+    </p:bldLst>
+  </p:timing>
+</p:sld>
+</file>
+
+<file path=ppt/slides/slide8.xml><?xml version="1.0" encoding="utf-8"?>
+<p:sld xmlns:a="http://schemas.openxmlformats.org/drawingml/2006/main" xmlns:r="http://schemas.openxmlformats.org/officeDocument/2006/relationships" xmlns:p="http://schemas.openxmlformats.org/presentationml/2006/main">
+  <p:cSld>
+    <p:spTree>
+      <p:nvGrpSpPr>
+        <p:cNvPr id="1" name=""/>
+        <p:cNvGrpSpPr/>
+        <p:nvPr/>
+      </p:nvGrpSpPr>
+      <p:grpSpPr>
+        <a:xfrm>
+          <a:off x="0" y="0"/>
+          <a:ext cx="0" cy="0"/>
+          <a:chOff x="0" y="0"/>
+          <a:chExt cx="0" cy="0"/>
+        </a:xfrm>
+      </p:grpSpPr>
+      <p:sp>
+        <p:nvSpPr>
+          <p:cNvPr id="2" name="Title 1">
+            <a:extLst>
+              <a:ext uri="{FF2B5EF4-FFF2-40B4-BE49-F238E27FC236}">
+                <a16:creationId xmlns:a16="http://schemas.microsoft.com/office/drawing/2014/main" id="{3BD1F6C7-A6A1-EA40-95A5-49F0F4685C81}"/>
+              </a:ext>
+            </a:extLst>
+          </p:cNvPr>
+          <p:cNvSpPr>
+            <a:spLocks noGrp="1"/>
+          </p:cNvSpPr>
+          <p:nvPr>
+            <p:ph type="title"/>
+          </p:nvPr>
+        </p:nvSpPr>
+        <p:spPr/>
+        <p:txBody>
+          <a:bodyPr/>
+          <a:lstStyle/>
+          <a:p>
+            <a:r>
+              <a:rPr lang="en-US" dirty="0"/>
+              <a:t>Practice 2</a:t>
+            </a:r>
+          </a:p>
+        </p:txBody>
+      </p:sp>
+      <p:sp>
+        <p:nvSpPr>
+          <p:cNvPr id="3" name="Text Placeholder 2">
+            <a:extLst>
+              <a:ext uri="{FF2B5EF4-FFF2-40B4-BE49-F238E27FC236}">
+                <a16:creationId xmlns:a16="http://schemas.microsoft.com/office/drawing/2014/main" id="{20275C6A-A900-BF4E-B253-6445E559FBAD}"/>
+              </a:ext>
+            </a:extLst>
+          </p:cNvPr>
+          <p:cNvSpPr>
+            <a:spLocks noGrp="1"/>
+          </p:cNvSpPr>
+          <p:nvPr>
+            <p:ph type="body" sz="quarter" idx="10"/>
+          </p:nvPr>
+        </p:nvSpPr>
+        <p:spPr>
+          <a:xfrm>
+            <a:off x="628075" y="1776683"/>
+            <a:ext cx="12561453" cy="3017493"/>
+          </a:xfrm>
+        </p:spPr>
+        <p:txBody>
+          <a:bodyPr/>
+          <a:lstStyle/>
+          <a:p>
+            <a:r>
+              <a:rPr lang="en-US" dirty="0"/>
+              <a:t>Write a recursive method that verifies if a String is a palindrome or not. A word is a </a:t>
+            </a:r>
+            <a:r>
+              <a:rPr lang="en-US" b="1" dirty="0">
+                <a:hlinkClick r:id="rId2"/>
+              </a:rPr>
+              <a:t>palindrome</a:t>
+            </a:r>
+            <a:r>
+              <a:rPr lang="en-US" dirty="0"/>
+              <a:t> if the letters in the word are symmetric.</a:t>
+            </a:r>
+          </a:p>
+          <a:p>
+            <a:endParaRPr lang="en-US" dirty="0"/>
+          </a:p>
+          <a:p>
+            <a:r>
+              <a:rPr lang="en-US" dirty="0"/>
+              <a:t>Remember to think about:</a:t>
+            </a:r>
+          </a:p>
+          <a:p>
+            <a:pPr lvl="1"/>
+            <a:r>
+              <a:rPr lang="en-US" dirty="0"/>
+              <a:t>base case (condition to stop)</a:t>
+            </a:r>
+          </a:p>
+          <a:p>
+            <a:pPr lvl="1"/>
+            <a:r>
+              <a:rPr lang="en-US" dirty="0"/>
+              <a:t>recursive call</a:t>
+            </a:r>
+          </a:p>
+          <a:p>
+            <a:endParaRPr lang="en-US" dirty="0"/>
+          </a:p>
+        </p:txBody>
+      </p:sp>
+    </p:spTree>
+    <p:extLst>
+      <p:ext uri="{BB962C8B-B14F-4D97-AF65-F5344CB8AC3E}">
+        <p14:creationId xmlns:p14="http://schemas.microsoft.com/office/powerpoint/2010/main" val="1333019686"/>
       </p:ext>
     </p:extLst>
   </p:cSld>

--- a/slides/On-Campus/14_01_More Recursion.pptx
+++ b/slides/On-Campus/14_01_More Recursion.pptx
@@ -5,20 +5,21 @@
     <p:sldMasterId id="2147483648" r:id="rId1"/>
   </p:sldMasterIdLst>
   <p:notesMasterIdLst>
-    <p:notesMasterId r:id="rId10"/>
+    <p:notesMasterId r:id="rId11"/>
   </p:notesMasterIdLst>
   <p:handoutMasterIdLst>
-    <p:handoutMasterId r:id="rId11"/>
+    <p:handoutMasterId r:id="rId12"/>
   </p:handoutMasterIdLst>
   <p:sldIdLst>
     <p:sldId id="256" r:id="rId2"/>
-    <p:sldId id="261" r:id="rId3"/>
-    <p:sldId id="257" r:id="rId4"/>
-    <p:sldId id="258" r:id="rId5"/>
-    <p:sldId id="259" r:id="rId6"/>
-    <p:sldId id="260" r:id="rId7"/>
-    <p:sldId id="262" r:id="rId8"/>
-    <p:sldId id="263" r:id="rId9"/>
+    <p:sldId id="271" r:id="rId3"/>
+    <p:sldId id="261" r:id="rId4"/>
+    <p:sldId id="257" r:id="rId5"/>
+    <p:sldId id="258" r:id="rId6"/>
+    <p:sldId id="259" r:id="rId7"/>
+    <p:sldId id="260" r:id="rId8"/>
+    <p:sldId id="262" r:id="rId9"/>
+    <p:sldId id="263" r:id="rId10"/>
   </p:sldIdLst>
   <p:sldSz cx="13817600" cy="7772400"/>
   <p:notesSz cx="6858000" cy="9144000"/>
@@ -392,7 +393,7 @@
           <a:p>
             <a:fld id="{4D7E51A5-B478-1E40-8CBB-0DAA8831E99D}" type="datetimeFigureOut">
               <a:rPr lang="en-US" smtClean="0"/>
-              <a:t>11/26/2021</a:t>
+              <a:t>11/28/2021</a:t>
             </a:fld>
             <a:endParaRPr lang="en-US"/>
           </a:p>
@@ -557,7 +558,7 @@
           <a:p>
             <a:fld id="{D0ED587F-861E-6740-9643-E3DDAE89B8D6}" type="datetimeFigureOut">
               <a:rPr lang="en-US" smtClean="0"/>
-              <a:t>11/26/2021</a:t>
+              <a:t>11/28/2021</a:t>
             </a:fld>
             <a:endParaRPr lang="en-US"/>
           </a:p>
@@ -4184,6 +4185,602 @@
 </p:sldLayout>
 </file>
 
+<file path=ppt/slideLayouts/slideLayout25.xml><?xml version="1.0" encoding="utf-8"?>
+<p:sldLayout xmlns:a="http://schemas.openxmlformats.org/drawingml/2006/main" xmlns:r="http://schemas.openxmlformats.org/officeDocument/2006/relationships" xmlns:p="http://schemas.openxmlformats.org/presentationml/2006/main" matchingName="Title and Content">
+  <p:cSld name="1_Title and Content">
+    <p:spTree>
+      <p:nvGrpSpPr>
+        <p:cNvPr id="1" name="Shape 53"/>
+        <p:cNvGrpSpPr/>
+        <p:nvPr/>
+      </p:nvGrpSpPr>
+      <p:grpSpPr>
+        <a:xfrm>
+          <a:off x="0" y="0"/>
+          <a:ext cx="0" cy="0"/>
+          <a:chOff x="0" y="0"/>
+          <a:chExt cx="0" cy="0"/>
+        </a:xfrm>
+      </p:grpSpPr>
+      <p:grpSp>
+        <p:nvGrpSpPr>
+          <p:cNvPr id="54" name="Google Shape;54;p14"/>
+          <p:cNvGrpSpPr/>
+          <p:nvPr/>
+        </p:nvGrpSpPr>
+        <p:grpSpPr>
+          <a:xfrm>
+            <a:off x="0" y="7372875"/>
+            <a:ext cx="13849756" cy="400074"/>
+            <a:chOff x="0" y="7372350"/>
+            <a:chExt cx="13817700" cy="400053"/>
+          </a:xfrm>
+        </p:grpSpPr>
+        <p:sp>
+          <p:nvSpPr>
+            <p:cNvPr id="55" name="Google Shape;55;p14"/>
+            <p:cNvSpPr/>
+            <p:nvPr/>
+          </p:nvSpPr>
+          <p:spPr>
+            <a:xfrm>
+              <a:off x="0" y="7372350"/>
+              <a:ext cx="13817700" cy="399900"/>
+            </a:xfrm>
+            <a:prstGeom prst="rect">
+              <a:avLst/>
+            </a:prstGeom>
+            <a:solidFill>
+              <a:schemeClr val="dk2"/>
+            </a:solidFill>
+            <a:ln>
+              <a:noFill/>
+            </a:ln>
+          </p:spPr>
+          <p:txBody>
+            <a:bodyPr spcFirstLastPara="1" wrap="square" lIns="60500" tIns="30250" rIns="60500" bIns="30250" anchor="ctr" anchorCtr="0">
+              <a:noAutofit/>
+            </a:bodyPr>
+            <a:lstStyle/>
+            <a:p>
+              <a:pPr marL="0" marR="0" lvl="0" indent="0" algn="ctr" rtl="0">
+                <a:spcBef>
+                  <a:spcPts val="0"/>
+                </a:spcBef>
+                <a:spcAft>
+                  <a:spcPts val="0"/>
+                </a:spcAft>
+                <a:buNone/>
+              </a:pPr>
+              <a:endParaRPr sz="1964" b="0" i="0" u="none" strike="noStrike" cap="none">
+                <a:solidFill>
+                  <a:schemeClr val="lt1"/>
+                </a:solidFill>
+                <a:latin typeface="Arial"/>
+                <a:ea typeface="Arial"/>
+                <a:cs typeface="Arial"/>
+                <a:sym typeface="Arial"/>
+              </a:endParaRPr>
+            </a:p>
+          </p:txBody>
+        </p:sp>
+        <p:pic>
+          <p:nvPicPr>
+            <p:cNvPr id="56" name="Google Shape;56;p14"/>
+            <p:cNvPicPr preferRelativeResize="0"/>
+            <p:nvPr/>
+          </p:nvPicPr>
+          <p:blipFill rotWithShape="1">
+            <a:blip r:embed="rId2">
+              <a:alphaModFix/>
+            </a:blip>
+            <a:srcRect/>
+            <a:stretch/>
+          </p:blipFill>
+          <p:spPr>
+            <a:xfrm>
+              <a:off x="152257" y="7372351"/>
+              <a:ext cx="1788558" cy="400050"/>
+            </a:xfrm>
+            <a:prstGeom prst="rect">
+              <a:avLst/>
+            </a:prstGeom>
+            <a:noFill/>
+            <a:ln>
+              <a:noFill/>
+            </a:ln>
+          </p:spPr>
+        </p:pic>
+        <p:sp>
+          <p:nvSpPr>
+            <p:cNvPr id="57" name="Google Shape;57;p14"/>
+            <p:cNvSpPr/>
+            <p:nvPr/>
+          </p:nvSpPr>
+          <p:spPr>
+            <a:xfrm>
+              <a:off x="0" y="7372351"/>
+              <a:ext cx="13817700" cy="399900"/>
+            </a:xfrm>
+            <a:prstGeom prst="rect">
+              <a:avLst/>
+            </a:prstGeom>
+            <a:solidFill>
+              <a:schemeClr val="dk2"/>
+            </a:solidFill>
+            <a:ln>
+              <a:noFill/>
+            </a:ln>
+          </p:spPr>
+          <p:txBody>
+            <a:bodyPr spcFirstLastPara="1" wrap="square" lIns="60500" tIns="30250" rIns="60500" bIns="30250" anchor="ctr" anchorCtr="0">
+              <a:noAutofit/>
+            </a:bodyPr>
+            <a:lstStyle/>
+            <a:p>
+              <a:pPr marL="0" marR="0" lvl="0" indent="0" algn="ctr" rtl="0">
+                <a:spcBef>
+                  <a:spcPts val="0"/>
+                </a:spcBef>
+                <a:spcAft>
+                  <a:spcPts val="0"/>
+                </a:spcAft>
+                <a:buNone/>
+              </a:pPr>
+              <a:endParaRPr sz="1964" b="0" i="0" u="none" strike="noStrike" cap="none">
+                <a:solidFill>
+                  <a:schemeClr val="lt1"/>
+                </a:solidFill>
+                <a:latin typeface="Arial"/>
+                <a:ea typeface="Arial"/>
+                <a:cs typeface="Arial"/>
+                <a:sym typeface="Arial"/>
+              </a:endParaRPr>
+            </a:p>
+          </p:txBody>
+        </p:sp>
+        <p:pic>
+          <p:nvPicPr>
+            <p:cNvPr id="58" name="Google Shape;58;p14"/>
+            <p:cNvPicPr preferRelativeResize="0"/>
+            <p:nvPr/>
+          </p:nvPicPr>
+          <p:blipFill rotWithShape="1">
+            <a:blip r:embed="rId2">
+              <a:alphaModFix/>
+            </a:blip>
+            <a:srcRect/>
+            <a:stretch/>
+          </p:blipFill>
+          <p:spPr>
+            <a:xfrm>
+              <a:off x="152257" y="7372352"/>
+              <a:ext cx="1788558" cy="400050"/>
+            </a:xfrm>
+            <a:prstGeom prst="rect">
+              <a:avLst/>
+            </a:prstGeom>
+            <a:noFill/>
+            <a:ln>
+              <a:noFill/>
+            </a:ln>
+          </p:spPr>
+        </p:pic>
+      </p:grpSp>
+      <p:sp>
+        <p:nvSpPr>
+          <p:cNvPr id="59" name="Google Shape;59;p14"/>
+          <p:cNvSpPr txBox="1">
+            <a:spLocks noGrp="1"/>
+          </p:cNvSpPr>
+          <p:nvPr>
+            <p:ph type="title"/>
+          </p:nvPr>
+        </p:nvSpPr>
+        <p:spPr>
+          <a:xfrm>
+            <a:off x="628075" y="905258"/>
+            <a:ext cx="12561413" cy="1015467"/>
+          </a:xfrm>
+          <a:prstGeom prst="rect">
+            <a:avLst/>
+          </a:prstGeom>
+          <a:noFill/>
+          <a:ln>
+            <a:noFill/>
+          </a:ln>
+        </p:spPr>
+        <p:txBody>
+          <a:bodyPr spcFirstLastPara="1" wrap="square" lIns="60500" tIns="60500" rIns="60500" bIns="60500" anchor="b" anchorCtr="0">
+            <a:noAutofit/>
+          </a:bodyPr>
+          <a:lstStyle>
+            <a:lvl1pPr marR="0" lvl="0" algn="l" rtl="0">
+              <a:spcBef>
+                <a:spcPts val="0"/>
+              </a:spcBef>
+              <a:spcAft>
+                <a:spcPts val="0"/>
+              </a:spcAft>
+              <a:buClr>
+                <a:schemeClr val="dk2"/>
+              </a:buClr>
+              <a:buSzPts val="3600"/>
+              <a:buFont typeface="Arial"/>
+              <a:buNone/>
+              <a:defRPr sz="5440" b="0" i="0" u="none" strike="noStrike" cap="none">
+                <a:solidFill>
+                  <a:schemeClr val="dk2"/>
+                </a:solidFill>
+                <a:latin typeface="Arial"/>
+                <a:ea typeface="Arial"/>
+                <a:cs typeface="Arial"/>
+                <a:sym typeface="Arial"/>
+              </a:defRPr>
+            </a:lvl1pPr>
+            <a:lvl2pPr lvl="1" rtl="0">
+              <a:spcBef>
+                <a:spcPts val="0"/>
+              </a:spcBef>
+              <a:spcAft>
+                <a:spcPts val="0"/>
+              </a:spcAft>
+              <a:buSzPts val="900"/>
+              <a:buNone/>
+              <a:defRPr sz="1813"/>
+            </a:lvl2pPr>
+            <a:lvl3pPr lvl="2" rtl="0">
+              <a:spcBef>
+                <a:spcPts val="0"/>
+              </a:spcBef>
+              <a:spcAft>
+                <a:spcPts val="0"/>
+              </a:spcAft>
+              <a:buSzPts val="900"/>
+              <a:buNone/>
+              <a:defRPr sz="1813"/>
+            </a:lvl3pPr>
+            <a:lvl4pPr lvl="3" rtl="0">
+              <a:spcBef>
+                <a:spcPts val="0"/>
+              </a:spcBef>
+              <a:spcAft>
+                <a:spcPts val="0"/>
+              </a:spcAft>
+              <a:buSzPts val="900"/>
+              <a:buNone/>
+              <a:defRPr sz="1813"/>
+            </a:lvl4pPr>
+            <a:lvl5pPr lvl="4" rtl="0">
+              <a:spcBef>
+                <a:spcPts val="0"/>
+              </a:spcBef>
+              <a:spcAft>
+                <a:spcPts val="0"/>
+              </a:spcAft>
+              <a:buSzPts val="900"/>
+              <a:buNone/>
+              <a:defRPr sz="1813"/>
+            </a:lvl5pPr>
+            <a:lvl6pPr lvl="5" rtl="0">
+              <a:spcBef>
+                <a:spcPts val="0"/>
+              </a:spcBef>
+              <a:spcAft>
+                <a:spcPts val="0"/>
+              </a:spcAft>
+              <a:buSzPts val="900"/>
+              <a:buNone/>
+              <a:defRPr sz="1813"/>
+            </a:lvl6pPr>
+            <a:lvl7pPr lvl="6" rtl="0">
+              <a:spcBef>
+                <a:spcPts val="0"/>
+              </a:spcBef>
+              <a:spcAft>
+                <a:spcPts val="0"/>
+              </a:spcAft>
+              <a:buSzPts val="900"/>
+              <a:buNone/>
+              <a:defRPr sz="1813"/>
+            </a:lvl7pPr>
+            <a:lvl8pPr lvl="7" rtl="0">
+              <a:spcBef>
+                <a:spcPts val="0"/>
+              </a:spcBef>
+              <a:spcAft>
+                <a:spcPts val="0"/>
+              </a:spcAft>
+              <a:buSzPts val="900"/>
+              <a:buNone/>
+              <a:defRPr sz="1813"/>
+            </a:lvl8pPr>
+            <a:lvl9pPr lvl="8" rtl="0">
+              <a:spcBef>
+                <a:spcPts val="0"/>
+              </a:spcBef>
+              <a:spcAft>
+                <a:spcPts val="0"/>
+              </a:spcAft>
+              <a:buSzPts val="900"/>
+              <a:buNone/>
+              <a:defRPr sz="1813"/>
+            </a:lvl9pPr>
+          </a:lstStyle>
+          <a:p>
+            <a:endParaRPr/>
+          </a:p>
+        </p:txBody>
+      </p:sp>
+      <p:sp>
+        <p:nvSpPr>
+          <p:cNvPr id="60" name="Google Shape;60;p14"/>
+          <p:cNvSpPr txBox="1">
+            <a:spLocks noGrp="1"/>
+          </p:cNvSpPr>
+          <p:nvPr>
+            <p:ph type="body" idx="1"/>
+          </p:nvPr>
+        </p:nvSpPr>
+        <p:spPr>
+          <a:xfrm>
+            <a:off x="628075" y="2487883"/>
+            <a:ext cx="12561413" cy="2015520"/>
+          </a:xfrm>
+          <a:prstGeom prst="rect">
+            <a:avLst/>
+          </a:prstGeom>
+          <a:noFill/>
+          <a:ln>
+            <a:noFill/>
+          </a:ln>
+        </p:spPr>
+        <p:txBody>
+          <a:bodyPr spcFirstLastPara="1" wrap="square" lIns="60500" tIns="60500" rIns="60500" bIns="60500" anchor="t" anchorCtr="0">
+            <a:noAutofit/>
+          </a:bodyPr>
+          <a:lstStyle>
+            <a:lvl1pPr marL="690875" marR="0" lvl="0" indent="-460583" algn="l" rtl="0">
+              <a:lnSpc>
+                <a:spcPct val="120000"/>
+              </a:lnSpc>
+              <a:spcBef>
+                <a:spcPts val="604"/>
+              </a:spcBef>
+              <a:spcAft>
+                <a:spcPts val="0"/>
+              </a:spcAft>
+              <a:buClr>
+                <a:schemeClr val="dk1"/>
+              </a:buClr>
+              <a:buSzPts val="1200"/>
+              <a:buFont typeface="Arial"/>
+              <a:buChar char="•"/>
+              <a:defRPr sz="1813" b="0" i="0" u="none" strike="noStrike" cap="none">
+                <a:solidFill>
+                  <a:schemeClr val="dk1"/>
+                </a:solidFill>
+                <a:latin typeface="Proxima Nova"/>
+                <a:ea typeface="Proxima Nova"/>
+                <a:cs typeface="Proxima Nova"/>
+                <a:sym typeface="Proxima Nova"/>
+              </a:defRPr>
+            </a:lvl1pPr>
+            <a:lvl2pPr marL="1381750" marR="0" lvl="1" indent="-450988" algn="l" rtl="0">
+              <a:lnSpc>
+                <a:spcPct val="120000"/>
+              </a:lnSpc>
+              <a:spcBef>
+                <a:spcPts val="604"/>
+              </a:spcBef>
+              <a:spcAft>
+                <a:spcPts val="0"/>
+              </a:spcAft>
+              <a:buClr>
+                <a:schemeClr val="dk1"/>
+              </a:buClr>
+              <a:buSzPts val="1100"/>
+              <a:buFont typeface="Arial"/>
+              <a:buChar char="–"/>
+              <a:defRPr sz="1662" b="0" i="0" u="none" strike="noStrike" cap="none">
+                <a:solidFill>
+                  <a:schemeClr val="dk1"/>
+                </a:solidFill>
+                <a:latin typeface="Proxima Nova"/>
+                <a:ea typeface="Proxima Nova"/>
+                <a:cs typeface="Proxima Nova"/>
+                <a:sym typeface="Proxima Nova"/>
+              </a:defRPr>
+            </a:lvl2pPr>
+            <a:lvl3pPr marL="2072625" marR="0" lvl="2" indent="-450988" algn="l" rtl="0">
+              <a:lnSpc>
+                <a:spcPct val="120000"/>
+              </a:lnSpc>
+              <a:spcBef>
+                <a:spcPts val="604"/>
+              </a:spcBef>
+              <a:spcAft>
+                <a:spcPts val="0"/>
+              </a:spcAft>
+              <a:buClr>
+                <a:schemeClr val="dk1"/>
+              </a:buClr>
+              <a:buSzPts val="1100"/>
+              <a:buFont typeface="Arial"/>
+              <a:buChar char="•"/>
+              <a:defRPr sz="1662" b="0" i="0" u="none" strike="noStrike" cap="none">
+                <a:solidFill>
+                  <a:schemeClr val="dk1"/>
+                </a:solidFill>
+                <a:latin typeface="Proxima Nova"/>
+                <a:ea typeface="Proxima Nova"/>
+                <a:cs typeface="Proxima Nova"/>
+                <a:sym typeface="Proxima Nova"/>
+              </a:defRPr>
+            </a:lvl3pPr>
+            <a:lvl4pPr marL="2763500" marR="0" lvl="3" indent="-450988" algn="l" rtl="0">
+              <a:lnSpc>
+                <a:spcPct val="120000"/>
+              </a:lnSpc>
+              <a:spcBef>
+                <a:spcPts val="604"/>
+              </a:spcBef>
+              <a:spcAft>
+                <a:spcPts val="0"/>
+              </a:spcAft>
+              <a:buClr>
+                <a:schemeClr val="dk1"/>
+              </a:buClr>
+              <a:buSzPts val="1100"/>
+              <a:buFont typeface="Arial"/>
+              <a:buChar char="–"/>
+              <a:defRPr sz="1662" b="0" i="0" u="none" strike="noStrike" cap="none">
+                <a:solidFill>
+                  <a:schemeClr val="dk1"/>
+                </a:solidFill>
+                <a:latin typeface="Proxima Nova"/>
+                <a:ea typeface="Proxima Nova"/>
+                <a:cs typeface="Proxima Nova"/>
+                <a:sym typeface="Proxima Nova"/>
+              </a:defRPr>
+            </a:lvl4pPr>
+            <a:lvl5pPr marL="3454375" marR="0" lvl="4" indent="-450988" algn="l" rtl="0">
+              <a:spcBef>
+                <a:spcPts val="604"/>
+              </a:spcBef>
+              <a:spcAft>
+                <a:spcPts val="0"/>
+              </a:spcAft>
+              <a:buClr>
+                <a:schemeClr val="dk1"/>
+              </a:buClr>
+              <a:buSzPts val="1100"/>
+              <a:buFont typeface="Arial"/>
+              <a:buChar char="»"/>
+              <a:defRPr sz="1662" b="0" i="0" u="none" strike="noStrike" cap="none">
+                <a:solidFill>
+                  <a:schemeClr val="dk1"/>
+                </a:solidFill>
+                <a:latin typeface="Source Sans Pro"/>
+                <a:ea typeface="Source Sans Pro"/>
+                <a:cs typeface="Source Sans Pro"/>
+                <a:sym typeface="Source Sans Pro"/>
+              </a:defRPr>
+            </a:lvl5pPr>
+            <a:lvl6pPr marL="4145250" marR="0" lvl="5" indent="-537347" algn="l" rtl="0">
+              <a:spcBef>
+                <a:spcPts val="604"/>
+              </a:spcBef>
+              <a:spcAft>
+                <a:spcPts val="0"/>
+              </a:spcAft>
+              <a:buClr>
+                <a:schemeClr val="dk1"/>
+              </a:buClr>
+              <a:buSzPts val="2000"/>
+              <a:buFont typeface="Arial"/>
+              <a:buChar char="•"/>
+              <a:defRPr sz="3022" b="0" i="0" u="none" strike="noStrike" cap="none">
+                <a:solidFill>
+                  <a:schemeClr val="dk1"/>
+                </a:solidFill>
+                <a:latin typeface="Arial"/>
+                <a:ea typeface="Arial"/>
+                <a:cs typeface="Arial"/>
+                <a:sym typeface="Arial"/>
+              </a:defRPr>
+            </a:lvl6pPr>
+            <a:lvl7pPr marL="4836124" marR="0" lvl="6" indent="-537347" algn="l" rtl="0">
+              <a:spcBef>
+                <a:spcPts val="604"/>
+              </a:spcBef>
+              <a:spcAft>
+                <a:spcPts val="0"/>
+              </a:spcAft>
+              <a:buClr>
+                <a:schemeClr val="dk1"/>
+              </a:buClr>
+              <a:buSzPts val="2000"/>
+              <a:buFont typeface="Arial"/>
+              <a:buChar char="•"/>
+              <a:defRPr sz="3022" b="0" i="0" u="none" strike="noStrike" cap="none">
+                <a:solidFill>
+                  <a:schemeClr val="dk1"/>
+                </a:solidFill>
+                <a:latin typeface="Arial"/>
+                <a:ea typeface="Arial"/>
+                <a:cs typeface="Arial"/>
+                <a:sym typeface="Arial"/>
+              </a:defRPr>
+            </a:lvl7pPr>
+            <a:lvl8pPr marL="5526999" marR="0" lvl="7" indent="-537347" algn="l" rtl="0">
+              <a:spcBef>
+                <a:spcPts val="604"/>
+              </a:spcBef>
+              <a:spcAft>
+                <a:spcPts val="0"/>
+              </a:spcAft>
+              <a:buClr>
+                <a:schemeClr val="dk1"/>
+              </a:buClr>
+              <a:buSzPts val="2000"/>
+              <a:buFont typeface="Arial"/>
+              <a:buChar char="•"/>
+              <a:defRPr sz="3022" b="0" i="0" u="none" strike="noStrike" cap="none">
+                <a:solidFill>
+                  <a:schemeClr val="dk1"/>
+                </a:solidFill>
+                <a:latin typeface="Arial"/>
+                <a:ea typeface="Arial"/>
+                <a:cs typeface="Arial"/>
+                <a:sym typeface="Arial"/>
+              </a:defRPr>
+            </a:lvl8pPr>
+            <a:lvl9pPr marL="6217874" marR="0" lvl="8" indent="-537347" algn="l" rtl="0">
+              <a:spcBef>
+                <a:spcPts val="604"/>
+              </a:spcBef>
+              <a:spcAft>
+                <a:spcPts val="0"/>
+              </a:spcAft>
+              <a:buClr>
+                <a:schemeClr val="dk1"/>
+              </a:buClr>
+              <a:buSzPts val="2000"/>
+              <a:buFont typeface="Arial"/>
+              <a:buChar char="•"/>
+              <a:defRPr sz="3022" b="0" i="0" u="none" strike="noStrike" cap="none">
+                <a:solidFill>
+                  <a:schemeClr val="dk1"/>
+                </a:solidFill>
+                <a:latin typeface="Arial"/>
+                <a:ea typeface="Arial"/>
+                <a:cs typeface="Arial"/>
+                <a:sym typeface="Arial"/>
+              </a:defRPr>
+            </a:lvl9pPr>
+          </a:lstStyle>
+          <a:p>
+            <a:endParaRPr/>
+          </a:p>
+        </p:txBody>
+      </p:sp>
+    </p:spTree>
+    <p:extLst>
+      <p:ext uri="{BB962C8B-B14F-4D97-AF65-F5344CB8AC3E}">
+        <p14:creationId xmlns:p14="http://schemas.microsoft.com/office/powerpoint/2010/main" val="3333424059"/>
+      </p:ext>
+    </p:extLst>
+  </p:cSld>
+  <p:clrMapOvr>
+    <a:masterClrMapping/>
+  </p:clrMapOvr>
+  <p:transition>
+    <p:fade/>
+  </p:transition>
+</p:sldLayout>
+</file>
+
 <file path=ppt/slideLayouts/slideLayout3.xml><?xml version="1.0" encoding="utf-8"?>
 <p:sldLayout xmlns:a="http://schemas.openxmlformats.org/drawingml/2006/main" xmlns:r="http://schemas.openxmlformats.org/officeDocument/2006/relationships" xmlns:p="http://schemas.openxmlformats.org/presentationml/2006/main" preserve="1" userDrawn="1">
   <p:cSld name="Title Green Ram CSU">
@@ -6489,6 +7086,7 @@
     <p:sldLayoutId id="2147483677" r:id="rId22"/>
     <p:sldLayoutId id="2147483692" r:id="rId23"/>
     <p:sldLayoutId id="2147483672" r:id="rId24"/>
+    <p:sldLayoutId id="2147483693" r:id="rId25"/>
   </p:sldLayoutIdLst>
   <mc:AlternateContent xmlns:mc="http://schemas.openxmlformats.org/markup-compatibility/2006" xmlns:p14="http://schemas.microsoft.com/office/powerpoint/2010/main">
     <mc:Choice Requires="p14">
@@ -6903,6 +7501,386 @@
           <p:cNvPr id="4" name="Title 3">
             <a:extLst>
               <a:ext uri="{FF2B5EF4-FFF2-40B4-BE49-F238E27FC236}">
+                <a16:creationId xmlns:a16="http://schemas.microsoft.com/office/drawing/2014/main" id="{119AD8F2-D5DB-A84B-A5B3-F7935E3E6D1D}"/>
+              </a:ext>
+            </a:extLst>
+          </p:cNvPr>
+          <p:cNvSpPr>
+            <a:spLocks noGrp="1"/>
+          </p:cNvSpPr>
+          <p:nvPr>
+            <p:ph type="title"/>
+          </p:nvPr>
+        </p:nvSpPr>
+        <p:spPr>
+          <a:xfrm>
+            <a:off x="628076" y="607804"/>
+            <a:ext cx="5642096" cy="916848"/>
+          </a:xfrm>
+        </p:spPr>
+        <p:txBody>
+          <a:bodyPr/>
+          <a:lstStyle/>
+          <a:p>
+            <a:r>
+              <a:rPr lang="en-US" dirty="0"/>
+              <a:t>Announcements</a:t>
+            </a:r>
+          </a:p>
+        </p:txBody>
+      </p:sp>
+      <p:sp>
+        <p:nvSpPr>
+          <p:cNvPr id="5" name="Text Placeholder 4">
+            <a:extLst>
+              <a:ext uri="{FF2B5EF4-FFF2-40B4-BE49-F238E27FC236}">
+                <a16:creationId xmlns:a16="http://schemas.microsoft.com/office/drawing/2014/main" id="{1BBD0DB5-379A-304F-9307-E7B1A89B08F7}"/>
+              </a:ext>
+            </a:extLst>
+          </p:cNvPr>
+          <p:cNvSpPr>
+            <a:spLocks noGrp="1"/>
+          </p:cNvSpPr>
+          <p:nvPr>
+            <p:ph type="body" idx="1"/>
+          </p:nvPr>
+        </p:nvSpPr>
+        <p:spPr>
+          <a:xfrm>
+            <a:off x="628076" y="1826093"/>
+            <a:ext cx="8704610" cy="3311805"/>
+          </a:xfrm>
+        </p:spPr>
+        <p:txBody>
+          <a:bodyPr>
+            <a:normAutofit fontScale="85000" lnSpcReduction="20000"/>
+          </a:bodyPr>
+          <a:lstStyle/>
+          <a:p>
+            <a:r>
+              <a:rPr lang="en-US" dirty="0"/>
+              <a:t>Make sure to attend the </a:t>
+            </a:r>
+            <a:r>
+              <a:rPr lang="en-US" b="1" dirty="0"/>
+              <a:t>help sessions and labs</a:t>
+            </a:r>
+            <a:r>
+              <a:rPr lang="en-US" dirty="0"/>
+              <a:t>! </a:t>
+            </a:r>
+          </a:p>
+          <a:p>
+            <a:r>
+              <a:rPr lang="en-US" dirty="0"/>
+              <a:t>Remaining Course Schedule</a:t>
+            </a:r>
+          </a:p>
+          <a:p>
+            <a:r>
+              <a:rPr lang="en-US" dirty="0"/>
+              <a:t>Monday, Wednesday, Friday – Final course topics</a:t>
+            </a:r>
+          </a:p>
+          <a:p>
+            <a:pPr lvl="1"/>
+            <a:r>
+              <a:rPr lang="en-US" dirty="0"/>
+              <a:t>Tuesday and Thursday – last labs (they help with CS 165!)</a:t>
+            </a:r>
+          </a:p>
+          <a:p>
+            <a:r>
+              <a:rPr lang="en-US" dirty="0"/>
+              <a:t>NEXT Week (week before finals)</a:t>
+            </a:r>
+          </a:p>
+          <a:p>
+            <a:pPr lvl="1"/>
+            <a:r>
+              <a:rPr lang="en-US" dirty="0"/>
+              <a:t>Monday, Wednesday – Review Lectures</a:t>
+            </a:r>
+          </a:p>
+          <a:p>
+            <a:pPr lvl="1"/>
+            <a:r>
+              <a:rPr lang="en-US" dirty="0"/>
+              <a:t>Friday – Early Take Option, Final Exam</a:t>
+            </a:r>
+          </a:p>
+          <a:p>
+            <a:pPr lvl="1"/>
+            <a:r>
+              <a:rPr lang="en-US" dirty="0"/>
+              <a:t>Help Desk Closes on the *due date* of the last assignment (not late window)</a:t>
+            </a:r>
+          </a:p>
+          <a:p>
+            <a:r>
+              <a:rPr lang="en-US" dirty="0"/>
+              <a:t>Finals Week</a:t>
+            </a:r>
+          </a:p>
+          <a:p>
+            <a:pPr lvl="1"/>
+            <a:r>
+              <a:rPr lang="en-US" dirty="0"/>
+              <a:t>Monday – early take option, and then scheduled exam time</a:t>
+            </a:r>
+          </a:p>
+          <a:p>
+            <a:pPr marL="230292" indent="0">
+              <a:buNone/>
+            </a:pPr>
+            <a:endParaRPr lang="en-US" dirty="0"/>
+          </a:p>
+        </p:txBody>
+      </p:sp>
+      <p:sp>
+        <p:nvSpPr>
+          <p:cNvPr id="6" name="TextBox 5">
+            <a:extLst>
+              <a:ext uri="{FF2B5EF4-FFF2-40B4-BE49-F238E27FC236}">
+                <a16:creationId xmlns:a16="http://schemas.microsoft.com/office/drawing/2014/main" id="{32A3B87A-BBC0-704B-AC99-3984206450D5}"/>
+              </a:ext>
+            </a:extLst>
+          </p:cNvPr>
+          <p:cNvSpPr txBox="1"/>
+          <p:nvPr/>
+        </p:nvSpPr>
+        <p:spPr>
+          <a:xfrm>
+            <a:off x="9634356" y="1660010"/>
+            <a:ext cx="3892958" cy="2875915"/>
+          </a:xfrm>
+          <a:prstGeom prst="rect">
+            <a:avLst/>
+          </a:prstGeom>
+          <a:noFill/>
+        </p:spPr>
+        <p:txBody>
+          <a:bodyPr wrap="square" rtlCol="0">
+            <a:spAutoFit/>
+          </a:bodyPr>
+          <a:lstStyle/>
+          <a:p>
+            <a:r>
+              <a:rPr lang="en-US" sz="3022" dirty="0" err="1"/>
+              <a:t>Todo</a:t>
+            </a:r>
+            <a:r>
+              <a:rPr lang="en-US" sz="3022" dirty="0"/>
+              <a:t>:</a:t>
+            </a:r>
+          </a:p>
+          <a:p>
+            <a:r>
+              <a:rPr lang="en-US" sz="3022" dirty="0"/>
+              <a:t>Labs this week </a:t>
+            </a:r>
+          </a:p>
+          <a:p>
+            <a:endParaRPr lang="en-US" sz="3022" dirty="0"/>
+          </a:p>
+          <a:p>
+            <a:r>
+              <a:rPr lang="en-US" sz="3022" dirty="0"/>
+              <a:t>Work on Practical 5</a:t>
+            </a:r>
+          </a:p>
+          <a:p>
+            <a:r>
+              <a:rPr lang="en-US" dirty="0"/>
+              <a:t>You should be 1/2 - 2/3 done</a:t>
+            </a:r>
+          </a:p>
+          <a:p>
+            <a:r>
+              <a:rPr lang="en-US" dirty="0"/>
+              <a:t>COME TO OFFICE HOURS </a:t>
+            </a:r>
+            <a:br>
+              <a:rPr lang="en-US" dirty="0"/>
+            </a:br>
+            <a:r>
+              <a:rPr lang="en-US" dirty="0"/>
+              <a:t>(if behind)</a:t>
+            </a:r>
+          </a:p>
+        </p:txBody>
+      </p:sp>
+      <p:sp>
+        <p:nvSpPr>
+          <p:cNvPr id="7" name="TextBox 6">
+            <a:extLst>
+              <a:ext uri="{FF2B5EF4-FFF2-40B4-BE49-F238E27FC236}">
+                <a16:creationId xmlns:a16="http://schemas.microsoft.com/office/drawing/2014/main" id="{BF16D510-BC74-4FA5-AFD2-193B039115A5}"/>
+              </a:ext>
+            </a:extLst>
+          </p:cNvPr>
+          <p:cNvSpPr txBox="1"/>
+          <p:nvPr/>
+        </p:nvSpPr>
+        <p:spPr>
+          <a:xfrm>
+            <a:off x="7228114" y="362857"/>
+            <a:ext cx="6125029" cy="707886"/>
+          </a:xfrm>
+          <a:prstGeom prst="rect">
+            <a:avLst/>
+          </a:prstGeom>
+          <a:solidFill>
+            <a:schemeClr val="accent2"/>
+          </a:solidFill>
+        </p:spPr>
+        <p:txBody>
+          <a:bodyPr wrap="square" rtlCol="0">
+            <a:spAutoFit/>
+          </a:bodyPr>
+          <a:lstStyle/>
+          <a:p>
+            <a:r>
+              <a:rPr lang="en-US" b="1" dirty="0"/>
+              <a:t>Opening Question: </a:t>
+            </a:r>
+          </a:p>
+          <a:p>
+            <a:r>
+              <a:rPr lang="en-US" dirty="0"/>
+              <a:t>How was your break?</a:t>
+            </a:r>
+          </a:p>
+        </p:txBody>
+      </p:sp>
+      <p:sp>
+        <p:nvSpPr>
+          <p:cNvPr id="8" name="TextBox 7">
+            <a:extLst>
+              <a:ext uri="{FF2B5EF4-FFF2-40B4-BE49-F238E27FC236}">
+                <a16:creationId xmlns:a16="http://schemas.microsoft.com/office/drawing/2014/main" id="{BAB4692C-71C9-4BC4-AAC6-FCD7E7C27E03}"/>
+              </a:ext>
+            </a:extLst>
+          </p:cNvPr>
+          <p:cNvSpPr txBox="1"/>
+          <p:nvPr/>
+        </p:nvSpPr>
+        <p:spPr>
+          <a:xfrm>
+            <a:off x="1469903" y="5591807"/>
+            <a:ext cx="12057411" cy="1754326"/>
+          </a:xfrm>
+          <a:prstGeom prst="rect">
+            <a:avLst/>
+          </a:prstGeom>
+          <a:noFill/>
+          <a:ln>
+            <a:solidFill>
+              <a:schemeClr val="accent5"/>
+            </a:solidFill>
+          </a:ln>
+        </p:spPr>
+        <p:txBody>
+          <a:bodyPr wrap="square">
+            <a:spAutoFit/>
+          </a:bodyPr>
+          <a:lstStyle/>
+          <a:p>
+            <a:r>
+              <a:rPr lang="en-US" sz="1800" dirty="0"/>
+              <a:t>CS 165 – Next Course In Sequence (also 201 is popular with 165)</a:t>
+            </a:r>
+          </a:p>
+          <a:p>
+            <a:pPr marL="342900" indent="-342900">
+              <a:buFont typeface="Arial" panose="020B0604020202020204" pitchFamily="34" charset="0"/>
+              <a:buChar char="•"/>
+            </a:pPr>
+            <a:r>
+              <a:rPr lang="en-US" sz="1800" dirty="0"/>
+              <a:t>CO Jobs Report 2021 – 77% of *all* new jobs in Colorado require programming</a:t>
+            </a:r>
+          </a:p>
+          <a:p>
+            <a:pPr marL="342900" indent="-342900">
+              <a:buFont typeface="Arial" panose="020B0604020202020204" pitchFamily="34" charset="0"/>
+              <a:buChar char="•"/>
+            </a:pPr>
+            <a:r>
+              <a:rPr lang="en-US" sz="1800" dirty="0"/>
+              <a:t>60% of all STEM jobs requires *advanced* (200-300 level) </a:t>
+            </a:r>
+          </a:p>
+          <a:p>
+            <a:pPr marL="342900" indent="-342900">
+              <a:buFont typeface="Arial" panose="020B0604020202020204" pitchFamily="34" charset="0"/>
+              <a:buChar char="•"/>
+            </a:pPr>
+            <a:r>
+              <a:rPr lang="en-US" sz="1800" dirty="0"/>
+              <a:t>31% of all Bachelor of Arts degree titled jobs also required coding skills </a:t>
+            </a:r>
+          </a:p>
+          <a:p>
+            <a:pPr marL="342900" indent="-342900">
+              <a:buFont typeface="Arial" panose="020B0604020202020204" pitchFamily="34" charset="0"/>
+              <a:buChar char="•"/>
+            </a:pPr>
+            <a:r>
+              <a:rPr lang="en-US" sz="1800" dirty="0"/>
+              <a:t>2016 Report found on average jobs that require coding skills paid $22,000 more</a:t>
+            </a:r>
+          </a:p>
+          <a:p>
+            <a:pPr marL="342900" indent="-342900">
+              <a:buFont typeface="Arial" panose="020B0604020202020204" pitchFamily="34" charset="0"/>
+              <a:buChar char="•"/>
+            </a:pPr>
+            <a:r>
+              <a:rPr lang="en-US" sz="1800" dirty="0"/>
+              <a:t>Math and Stats majors, at least consider CS 220 (Discrete Structures) – substitutes in your program requirements</a:t>
+            </a:r>
+          </a:p>
+        </p:txBody>
+      </p:sp>
+    </p:spTree>
+    <p:extLst>
+      <p:ext uri="{BB962C8B-B14F-4D97-AF65-F5344CB8AC3E}">
+        <p14:creationId xmlns:p14="http://schemas.microsoft.com/office/powerpoint/2010/main" val="926474781"/>
+      </p:ext>
+    </p:extLst>
+  </p:cSld>
+  <p:clrMapOvr>
+    <a:masterClrMapping/>
+  </p:clrMapOvr>
+  <p:transition>
+    <p:fade/>
+  </p:transition>
+</p:sld>
+</file>
+
+<file path=ppt/slides/slide3.xml><?xml version="1.0" encoding="utf-8"?>
+<p:sld xmlns:a="http://schemas.openxmlformats.org/drawingml/2006/main" xmlns:r="http://schemas.openxmlformats.org/officeDocument/2006/relationships" xmlns:p="http://schemas.openxmlformats.org/presentationml/2006/main">
+  <p:cSld>
+    <p:spTree>
+      <p:nvGrpSpPr>
+        <p:cNvPr id="1" name=""/>
+        <p:cNvGrpSpPr/>
+        <p:nvPr/>
+      </p:nvGrpSpPr>
+      <p:grpSpPr>
+        <a:xfrm>
+          <a:off x="0" y="0"/>
+          <a:ext cx="0" cy="0"/>
+          <a:chOff x="0" y="0"/>
+          <a:chExt cx="0" cy="0"/>
+        </a:xfrm>
+      </p:grpSpPr>
+      <p:sp>
+        <p:nvSpPr>
+          <p:cNvPr id="4" name="Title 3">
+            <a:extLst>
+              <a:ext uri="{FF2B5EF4-FFF2-40B4-BE49-F238E27FC236}">
                 <a16:creationId xmlns:a16="http://schemas.microsoft.com/office/drawing/2014/main" id="{12BA5B84-1638-5244-9FFD-57A46E238EFA}"/>
               </a:ext>
             </a:extLst>
@@ -9494,7 +10472,7 @@
 </p:sld>
 </file>
 
-<file path=ppt/slides/slide3.xml><?xml version="1.0" encoding="utf-8"?>
+<file path=ppt/slides/slide4.xml><?xml version="1.0" encoding="utf-8"?>
 <p:sld xmlns:a="http://schemas.openxmlformats.org/drawingml/2006/main" xmlns:r="http://schemas.openxmlformats.org/officeDocument/2006/relationships" xmlns:p="http://schemas.openxmlformats.org/presentationml/2006/main">
   <p:cSld>
     <p:spTree>
@@ -10366,7 +11344,7 @@
 </p:sld>
 </file>
 
-<file path=ppt/slides/slide4.xml><?xml version="1.0" encoding="utf-8"?>
+<file path=ppt/slides/slide5.xml><?xml version="1.0" encoding="utf-8"?>
 <p:sld xmlns:a="http://schemas.openxmlformats.org/drawingml/2006/main" xmlns:r="http://schemas.openxmlformats.org/officeDocument/2006/relationships" xmlns:p="http://schemas.openxmlformats.org/presentationml/2006/main">
   <p:cSld>
     <p:spTree>
@@ -12614,7 +13592,7 @@
 </p:sld>
 </file>
 
-<file path=ppt/slides/slide5.xml><?xml version="1.0" encoding="utf-8"?>
+<file path=ppt/slides/slide6.xml><?xml version="1.0" encoding="utf-8"?>
 <p:sld xmlns:a="http://schemas.openxmlformats.org/drawingml/2006/main" xmlns:r="http://schemas.openxmlformats.org/officeDocument/2006/relationships" xmlns:p="http://schemas.openxmlformats.org/presentationml/2006/main">
   <p:cSld>
     <p:spTree>
@@ -14355,7 +15333,7 @@
 </p:sld>
 </file>
 
-<file path=ppt/slides/slide6.xml><?xml version="1.0" encoding="utf-8"?>
+<file path=ppt/slides/slide7.xml><?xml version="1.0" encoding="utf-8"?>
 <p:sld xmlns:a="http://schemas.openxmlformats.org/drawingml/2006/main" xmlns:r="http://schemas.openxmlformats.org/officeDocument/2006/relationships" xmlns:p="http://schemas.openxmlformats.org/presentationml/2006/main">
   <p:cSld>
     <p:spTree>
@@ -14500,7 +15478,7 @@
 </p:sld>
 </file>
 
-<file path=ppt/slides/slide7.xml><?xml version="1.0" encoding="utf-8"?>
+<file path=ppt/slides/slide8.xml><?xml version="1.0" encoding="utf-8"?>
 <p:sld xmlns:a="http://schemas.openxmlformats.org/drawingml/2006/main" xmlns:r="http://schemas.openxmlformats.org/officeDocument/2006/relationships" xmlns:p="http://schemas.openxmlformats.org/presentationml/2006/main">
   <p:cSld>
     <p:spTree>
@@ -14996,7 +15974,7 @@
 </p:sld>
 </file>
 
-<file path=ppt/slides/slide8.xml><?xml version="1.0" encoding="utf-8"?>
+<file path=ppt/slides/slide9.xml><?xml version="1.0" encoding="utf-8"?>
 <p:sld xmlns:a="http://schemas.openxmlformats.org/drawingml/2006/main" xmlns:r="http://schemas.openxmlformats.org/officeDocument/2006/relationships" xmlns:p="http://schemas.openxmlformats.org/presentationml/2006/main">
   <p:cSld>
     <p:spTree>
